--- a/new_slides/semantic.pptx
+++ b/new_slides/semantic.pptx
@@ -6393,8 +6393,10 @@
                 <a:latin typeface="Courier New" panose="02070309020205020404" pitchFamily="49" charset="0"/>
                 <a:cs typeface="Courier New" panose="02070309020205020404" pitchFamily="49" charset="0"/>
               </a:rPr>
-              <a:t>main(void</a:t>
-            </a:r>
+              <a:t>main(void) {</a:t>
+            </a:r>
+          </a:p>
+          <a:p>
             <a:r>
               <a:rPr lang="en-US" sz="2400" b="1" dirty="0" smtClean="0">
                 <a:solidFill>
@@ -6403,19 +6405,19 @@
                 <a:latin typeface="Courier New" panose="02070309020205020404" pitchFamily="49" charset="0"/>
                 <a:cs typeface="Courier New" panose="02070309020205020404" pitchFamily="49" charset="0"/>
               </a:rPr>
-              <a:t>) {</a:t>
-            </a:r>
-          </a:p>
-          <a:p>
-            <a:r>
-              <a:rPr lang="en-US" sz="2400" b="1" dirty="0" smtClean="0">
+              <a:t>  string x = “A”;</a:t>
+            </a:r>
+          </a:p>
+          <a:p>
+            <a:r>
+              <a:rPr lang="en-US" sz="2400" b="1" dirty="0">
                 <a:solidFill>
                   <a:schemeClr val="tx1"/>
                 </a:solidFill>
                 <a:latin typeface="Courier New" panose="02070309020205020404" pitchFamily="49" charset="0"/>
                 <a:cs typeface="Courier New" panose="02070309020205020404" pitchFamily="49" charset="0"/>
               </a:rPr>
-              <a:t>  </a:t>
+              <a:t> </a:t>
             </a:r>
             <a:r>
               <a:rPr lang="en-US" sz="2400" b="1" dirty="0" smtClean="0">
@@ -6425,17 +6427,19 @@
                 <a:latin typeface="Courier New" panose="02070309020205020404" pitchFamily="49" charset="0"/>
                 <a:cs typeface="Courier New" panose="02070309020205020404" pitchFamily="49" charset="0"/>
               </a:rPr>
-              <a:t>string x </a:t>
-            </a:r>
-            <a:r>
-              <a:rPr lang="en-US" sz="2400" b="1" dirty="0" smtClean="0">
+              <a:t> string y = “B”;</a:t>
+            </a:r>
+          </a:p>
+          <a:p>
+            <a:r>
+              <a:rPr lang="en-US" sz="2400" b="1" dirty="0">
                 <a:solidFill>
                   <a:schemeClr val="tx1"/>
                 </a:solidFill>
                 <a:latin typeface="Courier New" panose="02070309020205020404" pitchFamily="49" charset="0"/>
                 <a:cs typeface="Courier New" panose="02070309020205020404" pitchFamily="49" charset="0"/>
               </a:rPr>
-              <a:t>= </a:t>
+              <a:t> </a:t>
             </a:r>
             <a:r>
               <a:rPr lang="en-US" sz="2400" b="1" dirty="0" smtClean="0">
@@ -6445,76 +6449,8 @@
                 <a:latin typeface="Courier New" panose="02070309020205020404" pitchFamily="49" charset="0"/>
                 <a:cs typeface="Courier New" panose="02070309020205020404" pitchFamily="49" charset="0"/>
               </a:rPr>
-              <a:t>“A”</a:t>
-            </a:r>
-            <a:r>
-              <a:rPr lang="en-US" sz="2400" b="1" dirty="0" smtClean="0">
-                <a:solidFill>
-                  <a:schemeClr val="tx1"/>
-                </a:solidFill>
-                <a:latin typeface="Courier New" panose="02070309020205020404" pitchFamily="49" charset="0"/>
-                <a:cs typeface="Courier New" panose="02070309020205020404" pitchFamily="49" charset="0"/>
-              </a:rPr>
-              <a:t>;</a:t>
-            </a:r>
-          </a:p>
-          <a:p>
-            <a:r>
-              <a:rPr lang="en-US" sz="2400" b="1" dirty="0">
-                <a:solidFill>
-                  <a:schemeClr val="tx1"/>
-                </a:solidFill>
-                <a:latin typeface="Courier New" panose="02070309020205020404" pitchFamily="49" charset="0"/>
-                <a:cs typeface="Courier New" panose="02070309020205020404" pitchFamily="49" charset="0"/>
-              </a:rPr>
-              <a:t> </a:t>
-            </a:r>
-            <a:r>
-              <a:rPr lang="en-US" sz="2400" b="1" dirty="0" smtClean="0">
-                <a:solidFill>
-                  <a:schemeClr val="tx1"/>
-                </a:solidFill>
-                <a:latin typeface="Courier New" panose="02070309020205020404" pitchFamily="49" charset="0"/>
-                <a:cs typeface="Courier New" panose="02070309020205020404" pitchFamily="49" charset="0"/>
-              </a:rPr>
-              <a:t> string y = “B”;</a:t>
-            </a:r>
-            <a:endParaRPr lang="en-US" sz="2400" b="1" dirty="0" smtClean="0">
-              <a:solidFill>
-                <a:schemeClr val="tx1"/>
-              </a:solidFill>
-              <a:latin typeface="Courier New" panose="02070309020205020404" pitchFamily="49" charset="0"/>
-              <a:cs typeface="Courier New" panose="02070309020205020404" pitchFamily="49" charset="0"/>
-            </a:endParaRPr>
-          </a:p>
-          <a:p>
-            <a:r>
-              <a:rPr lang="en-US" sz="2400" b="1" dirty="0">
-                <a:solidFill>
-                  <a:schemeClr val="tx1"/>
-                </a:solidFill>
-                <a:latin typeface="Courier New" panose="02070309020205020404" pitchFamily="49" charset="0"/>
-                <a:cs typeface="Courier New" panose="02070309020205020404" pitchFamily="49" charset="0"/>
-              </a:rPr>
-              <a:t> </a:t>
-            </a:r>
-            <a:r>
-              <a:rPr lang="en-US" sz="2400" b="1" dirty="0" smtClean="0">
-                <a:solidFill>
-                  <a:schemeClr val="tx1"/>
-                </a:solidFill>
-                <a:latin typeface="Courier New" panose="02070309020205020404" pitchFamily="49" charset="0"/>
-                <a:cs typeface="Courier New" panose="02070309020205020404" pitchFamily="49" charset="0"/>
-              </a:rPr>
               <a:t> string z = x * y;</a:t>
             </a:r>
-            <a:endParaRPr lang="en-US" sz="2400" b="1" dirty="0" smtClean="0">
-              <a:solidFill>
-                <a:schemeClr val="tx1"/>
-              </a:solidFill>
-              <a:latin typeface="Courier New" panose="02070309020205020404" pitchFamily="49" charset="0"/>
-              <a:cs typeface="Courier New" panose="02070309020205020404" pitchFamily="49" charset="0"/>
-            </a:endParaRPr>
           </a:p>
           <a:p>
             <a:r>
@@ -6754,11 +6690,6 @@
               </a:rPr>
               <a:t>Simple</a:t>
             </a:r>
-            <a:endParaRPr lang="en-US" sz="1400" dirty="0" smtClean="0">
-              <a:solidFill>
-                <a:schemeClr val="tx1"/>
-              </a:solidFill>
-            </a:endParaRPr>
           </a:p>
           <a:p>
             <a:pPr algn="ctr"/>
@@ -6926,11 +6857,6 @@
               </a:rPr>
               <a:t>Simple</a:t>
             </a:r>
-            <a:endParaRPr lang="en-US" sz="1400" dirty="0" smtClean="0">
-              <a:solidFill>
-                <a:schemeClr val="tx1"/>
-              </a:solidFill>
-            </a:endParaRPr>
           </a:p>
           <a:p>
             <a:pPr algn="ctr"/>
@@ -7458,8 +7384,10 @@
                 <a:latin typeface="Courier New" panose="02070309020205020404" pitchFamily="49" charset="0"/>
                 <a:cs typeface="Courier New" panose="02070309020205020404" pitchFamily="49" charset="0"/>
               </a:rPr>
-              <a:t>main(void</a:t>
-            </a:r>
+              <a:t>main(void) {</a:t>
+            </a:r>
+          </a:p>
+          <a:p>
             <a:r>
               <a:rPr lang="en-US" sz="2400" b="1" dirty="0" smtClean="0">
                 <a:solidFill>
@@ -7468,69 +7396,27 @@
                 <a:latin typeface="Courier New" panose="02070309020205020404" pitchFamily="49" charset="0"/>
                 <a:cs typeface="Courier New" panose="02070309020205020404" pitchFamily="49" charset="0"/>
               </a:rPr>
-              <a:t>) {</a:t>
-            </a:r>
-          </a:p>
-          <a:p>
-            <a:r>
-              <a:rPr lang="en-US" sz="2400" b="1" dirty="0" smtClean="0">
+              <a:t>  </a:t>
+            </a:r>
+            <a:r>
+              <a:rPr lang="en-US" sz="2400" b="1" dirty="0" err="1" smtClean="0">
                 <a:solidFill>
                   <a:schemeClr val="tx1"/>
                 </a:solidFill>
                 <a:latin typeface="Courier New" panose="02070309020205020404" pitchFamily="49" charset="0"/>
                 <a:cs typeface="Courier New" panose="02070309020205020404" pitchFamily="49" charset="0"/>
               </a:rPr>
-              <a:t>  </a:t>
-            </a:r>
-            <a:r>
-              <a:rPr lang="en-US" sz="2400" b="1" dirty="0" err="1" smtClean="0">
+              <a:t>int</a:t>
+            </a:r>
+            <a:r>
+              <a:rPr lang="en-US" sz="2400" b="1" dirty="0" smtClean="0">
                 <a:solidFill>
                   <a:schemeClr val="tx1"/>
                 </a:solidFill>
                 <a:latin typeface="Courier New" panose="02070309020205020404" pitchFamily="49" charset="0"/>
                 <a:cs typeface="Courier New" panose="02070309020205020404" pitchFamily="49" charset="0"/>
               </a:rPr>
-              <a:t>int</a:t>
-            </a:r>
-            <a:r>
-              <a:rPr lang="en-US" sz="2400" b="1" dirty="0" smtClean="0">
-                <a:solidFill>
-                  <a:schemeClr val="tx1"/>
-                </a:solidFill>
-                <a:latin typeface="Courier New" panose="02070309020205020404" pitchFamily="49" charset="0"/>
-                <a:cs typeface="Courier New" panose="02070309020205020404" pitchFamily="49" charset="0"/>
-              </a:rPr>
-              <a:t> x </a:t>
-            </a:r>
-            <a:r>
-              <a:rPr lang="en-US" sz="2400" b="1" dirty="0" smtClean="0">
-                <a:solidFill>
-                  <a:schemeClr val="tx1"/>
-                </a:solidFill>
-                <a:latin typeface="Courier New" panose="02070309020205020404" pitchFamily="49" charset="0"/>
-                <a:cs typeface="Courier New" panose="02070309020205020404" pitchFamily="49" charset="0"/>
-              </a:rPr>
-              <a:t>= </a:t>
-            </a:r>
-            <a:r>
-              <a:rPr lang="en-US" sz="2400" b="1" dirty="0" smtClean="0">
-                <a:solidFill>
-                  <a:schemeClr val="tx1"/>
-                </a:solidFill>
-                <a:latin typeface="Courier New" panose="02070309020205020404" pitchFamily="49" charset="0"/>
-                <a:cs typeface="Courier New" panose="02070309020205020404" pitchFamily="49" charset="0"/>
-              </a:rPr>
-              <a:t>7 / 0</a:t>
-            </a:r>
-            <a:r>
-              <a:rPr lang="en-US" sz="2400" b="1" dirty="0" smtClean="0">
-                <a:solidFill>
-                  <a:schemeClr val="tx1"/>
-                </a:solidFill>
-                <a:latin typeface="Courier New" panose="02070309020205020404" pitchFamily="49" charset="0"/>
-                <a:cs typeface="Courier New" panose="02070309020205020404" pitchFamily="49" charset="0"/>
-              </a:rPr>
-              <a:t>;</a:t>
+              <a:t> x = 7 / 0;</a:t>
             </a:r>
           </a:p>
           <a:p>
@@ -7782,11 +7668,6 @@
               </a:rPr>
               <a:t>7</a:t>
             </a:r>
-            <a:endParaRPr lang="en-US" sz="1400" dirty="0">
-              <a:solidFill>
-                <a:srgbClr val="C00000"/>
-              </a:solidFill>
-            </a:endParaRPr>
           </a:p>
         </p:txBody>
       </p:sp>
@@ -8247,11 +8128,6 @@
               </a:rPr>
               <a:t>Simple</a:t>
             </a:r>
-            <a:endParaRPr lang="en-US" sz="1400" dirty="0" smtClean="0">
-              <a:solidFill>
-                <a:schemeClr val="tx1"/>
-              </a:solidFill>
-            </a:endParaRPr>
           </a:p>
           <a:p>
             <a:pPr algn="ctr"/>
@@ -8577,17 +8453,19 @@
                 <a:latin typeface="Courier New" panose="02070309020205020404" pitchFamily="49" charset="0"/>
                 <a:cs typeface="Courier New" panose="02070309020205020404" pitchFamily="49" charset="0"/>
               </a:rPr>
-              <a:t>main(void</a:t>
-            </a:r>
-            <a:r>
-              <a:rPr lang="en-US" sz="2400" b="1" dirty="0" smtClean="0">
+              <a:t>main(void) {</a:t>
+            </a:r>
+          </a:p>
+          <a:p>
+            <a:r>
+              <a:rPr lang="en-US" sz="2400" b="1" dirty="0">
                 <a:solidFill>
                   <a:schemeClr val="tx1"/>
                 </a:solidFill>
                 <a:latin typeface="Courier New" panose="02070309020205020404" pitchFamily="49" charset="0"/>
                 <a:cs typeface="Courier New" panose="02070309020205020404" pitchFamily="49" charset="0"/>
               </a:rPr>
-              <a:t>) </a:t>
+              <a:t> </a:t>
             </a:r>
             <a:r>
               <a:rPr lang="en-US" sz="2400" b="1" dirty="0" smtClean="0">
@@ -8597,19 +8475,17 @@
                 <a:latin typeface="Courier New" panose="02070309020205020404" pitchFamily="49" charset="0"/>
                 <a:cs typeface="Courier New" panose="02070309020205020404" pitchFamily="49" charset="0"/>
               </a:rPr>
-              <a:t>{</a:t>
-            </a:r>
-          </a:p>
-          <a:p>
-            <a:r>
-              <a:rPr lang="en-US" sz="2400" b="1" dirty="0">
+              <a:t> </a:t>
+            </a:r>
+            <a:r>
+              <a:rPr lang="en-US" sz="2400" b="1" dirty="0" err="1" smtClean="0">
                 <a:solidFill>
                   <a:schemeClr val="tx1"/>
                 </a:solidFill>
                 <a:latin typeface="Courier New" panose="02070309020205020404" pitchFamily="49" charset="0"/>
                 <a:cs typeface="Courier New" panose="02070309020205020404" pitchFamily="49" charset="0"/>
               </a:rPr>
-              <a:t> </a:t>
+              <a:t>int</a:t>
             </a:r>
             <a:r>
               <a:rPr lang="en-US" sz="2400" b="1" dirty="0" smtClean="0">
@@ -8619,37 +8495,30 @@
                 <a:latin typeface="Courier New" panose="02070309020205020404" pitchFamily="49" charset="0"/>
                 <a:cs typeface="Courier New" panose="02070309020205020404" pitchFamily="49" charset="0"/>
               </a:rPr>
-              <a:t> </a:t>
-            </a:r>
-            <a:r>
-              <a:rPr lang="en-US" sz="2400" b="1" dirty="0" err="1" smtClean="0">
+              <a:t> k = 0;</a:t>
+            </a:r>
+          </a:p>
+          <a:p>
+            <a:r>
+              <a:rPr lang="en-US" sz="2400" b="1" dirty="0" smtClean="0">
                 <a:solidFill>
                   <a:schemeClr val="tx1"/>
                 </a:solidFill>
                 <a:latin typeface="Courier New" panose="02070309020205020404" pitchFamily="49" charset="0"/>
                 <a:cs typeface="Courier New" panose="02070309020205020404" pitchFamily="49" charset="0"/>
               </a:rPr>
-              <a:t>int</a:t>
-            </a:r>
-            <a:r>
-              <a:rPr lang="en-US" sz="2400" b="1" dirty="0" smtClean="0">
+              <a:t>  </a:t>
+            </a:r>
+            <a:r>
+              <a:rPr lang="en-US" sz="2400" b="1" dirty="0" err="1" smtClean="0">
                 <a:solidFill>
                   <a:schemeClr val="tx1"/>
                 </a:solidFill>
                 <a:latin typeface="Courier New" panose="02070309020205020404" pitchFamily="49" charset="0"/>
                 <a:cs typeface="Courier New" panose="02070309020205020404" pitchFamily="49" charset="0"/>
               </a:rPr>
-              <a:t> k = 0;</a:t>
-            </a:r>
-            <a:endParaRPr lang="en-US" sz="2400" b="1" dirty="0" smtClean="0">
-              <a:solidFill>
-                <a:schemeClr val="tx1"/>
-              </a:solidFill>
-              <a:latin typeface="Courier New" panose="02070309020205020404" pitchFamily="49" charset="0"/>
-              <a:cs typeface="Courier New" panose="02070309020205020404" pitchFamily="49" charset="0"/>
-            </a:endParaRPr>
-          </a:p>
-          <a:p>
+              <a:t>int</a:t>
+            </a:r>
             <a:r>
               <a:rPr lang="en-US" sz="2400" b="1" dirty="0" smtClean="0">
                 <a:solidFill>
@@ -8658,57 +8527,7 @@
                 <a:latin typeface="Courier New" panose="02070309020205020404" pitchFamily="49" charset="0"/>
                 <a:cs typeface="Courier New" panose="02070309020205020404" pitchFamily="49" charset="0"/>
               </a:rPr>
-              <a:t>  </a:t>
-            </a:r>
-            <a:r>
-              <a:rPr lang="en-US" sz="2400" b="1" dirty="0" err="1" smtClean="0">
-                <a:solidFill>
-                  <a:schemeClr val="tx1"/>
-                </a:solidFill>
-                <a:latin typeface="Courier New" panose="02070309020205020404" pitchFamily="49" charset="0"/>
-                <a:cs typeface="Courier New" panose="02070309020205020404" pitchFamily="49" charset="0"/>
-              </a:rPr>
-              <a:t>int</a:t>
-            </a:r>
-            <a:r>
-              <a:rPr lang="en-US" sz="2400" b="1" dirty="0" smtClean="0">
-                <a:solidFill>
-                  <a:schemeClr val="tx1"/>
-                </a:solidFill>
-                <a:latin typeface="Courier New" panose="02070309020205020404" pitchFamily="49" charset="0"/>
-                <a:cs typeface="Courier New" panose="02070309020205020404" pitchFamily="49" charset="0"/>
-              </a:rPr>
-              <a:t> x </a:t>
-            </a:r>
-            <a:r>
-              <a:rPr lang="en-US" sz="2400" b="1" dirty="0" smtClean="0">
-                <a:solidFill>
-                  <a:schemeClr val="tx1"/>
-                </a:solidFill>
-                <a:latin typeface="Courier New" panose="02070309020205020404" pitchFamily="49" charset="0"/>
-                <a:cs typeface="Courier New" panose="02070309020205020404" pitchFamily="49" charset="0"/>
-              </a:rPr>
-              <a:t>= </a:t>
-            </a:r>
-            <a:r>
-              <a:rPr lang="en-US" sz="2400" b="1" dirty="0" smtClean="0">
-                <a:solidFill>
-                  <a:schemeClr val="tx1"/>
-                </a:solidFill>
-                <a:latin typeface="Courier New" panose="02070309020205020404" pitchFamily="49" charset="0"/>
-                <a:cs typeface="Courier New" panose="02070309020205020404" pitchFamily="49" charset="0"/>
-              </a:rPr>
-              <a:t>7 / k</a:t>
-            </a:r>
-            <a:r>
-              <a:rPr lang="en-US" sz="2400" b="1" dirty="0" smtClean="0">
-                <a:solidFill>
-                  <a:schemeClr val="tx1"/>
-                </a:solidFill>
-                <a:latin typeface="Courier New" panose="02070309020205020404" pitchFamily="49" charset="0"/>
-                <a:cs typeface="Courier New" panose="02070309020205020404" pitchFamily="49" charset="0"/>
-              </a:rPr>
-              <a:t>;</a:t>
+              <a:t> x = 7 / k;</a:t>
             </a:r>
           </a:p>
           <a:p>
@@ -8960,11 +8779,6 @@
               </a:rPr>
               <a:t>7</a:t>
             </a:r>
-            <a:endParaRPr lang="en-US" sz="1400" dirty="0">
-              <a:solidFill>
-                <a:srgbClr val="C00000"/>
-              </a:solidFill>
-            </a:endParaRPr>
           </a:p>
         </p:txBody>
       </p:sp>
@@ -9100,11 +8914,6 @@
               </a:rPr>
               <a:t>Simple</a:t>
             </a:r>
-            <a:endParaRPr lang="en-US" sz="1400" dirty="0" smtClean="0">
-              <a:solidFill>
-                <a:schemeClr val="tx1"/>
-              </a:solidFill>
-            </a:endParaRPr>
           </a:p>
           <a:p>
             <a:pPr algn="ctr"/>
@@ -9446,11 +9255,6 @@
               </a:rPr>
               <a:t>Simple</a:t>
             </a:r>
-            <a:endParaRPr lang="en-US" sz="1400" dirty="0" smtClean="0">
-              <a:solidFill>
-                <a:schemeClr val="tx1"/>
-              </a:solidFill>
-            </a:endParaRPr>
           </a:p>
           <a:p>
             <a:pPr algn="ctr"/>
@@ -9870,8 +9674,10 @@
                 <a:latin typeface="Courier New" panose="02070309020205020404" pitchFamily="49" charset="0"/>
                 <a:cs typeface="Courier New" panose="02070309020205020404" pitchFamily="49" charset="0"/>
               </a:rPr>
-              <a:t>main(void</a:t>
-            </a:r>
+              <a:t>main(void) {</a:t>
+            </a:r>
+          </a:p>
+          <a:p>
             <a:r>
               <a:rPr lang="en-US" sz="2400" b="1" dirty="0" smtClean="0">
                 <a:solidFill>
@@ -9880,32 +9686,32 @@
                 <a:latin typeface="Courier New" panose="02070309020205020404" pitchFamily="49" charset="0"/>
                 <a:cs typeface="Courier New" panose="02070309020205020404" pitchFamily="49" charset="0"/>
               </a:rPr>
-              <a:t>) {</a:t>
-            </a:r>
-          </a:p>
-          <a:p>
-            <a:r>
-              <a:rPr lang="en-US" sz="2400" b="1" dirty="0" smtClean="0">
+              <a:t>  </a:t>
+            </a:r>
+            <a:r>
+              <a:rPr lang="en-US" sz="2400" b="1" dirty="0" err="1" smtClean="0">
                 <a:solidFill>
                   <a:schemeClr val="tx1"/>
                 </a:solidFill>
                 <a:latin typeface="Courier New" panose="02070309020205020404" pitchFamily="49" charset="0"/>
                 <a:cs typeface="Courier New" panose="02070309020205020404" pitchFamily="49" charset="0"/>
               </a:rPr>
-              <a:t>  </a:t>
-            </a:r>
-            <a:r>
-              <a:rPr lang="en-US" sz="2400" b="1" dirty="0" err="1" smtClean="0">
+              <a:t>int</a:t>
+            </a:r>
+            <a:r>
+              <a:rPr lang="en-US" sz="2400" b="1" dirty="0" smtClean="0">
                 <a:solidFill>
                   <a:schemeClr val="tx1"/>
                 </a:solidFill>
                 <a:latin typeface="Courier New" panose="02070309020205020404" pitchFamily="49" charset="0"/>
                 <a:cs typeface="Courier New" panose="02070309020205020404" pitchFamily="49" charset="0"/>
               </a:rPr>
-              <a:t>int</a:t>
-            </a:r>
-            <a:r>
-              <a:rPr lang="en-US" sz="2400" b="1" dirty="0" smtClean="0">
+              <a:t> x = 1;</a:t>
+            </a:r>
+          </a:p>
+          <a:p>
+            <a:r>
+              <a:rPr lang="en-US" sz="2400" b="1" dirty="0">
                 <a:solidFill>
                   <a:schemeClr val="tx1"/>
                 </a:solidFill>
@@ -9922,17 +9728,19 @@
                 <a:latin typeface="Courier New" panose="02070309020205020404" pitchFamily="49" charset="0"/>
                 <a:cs typeface="Courier New" panose="02070309020205020404" pitchFamily="49" charset="0"/>
               </a:rPr>
-              <a:t>x </a:t>
-            </a:r>
-            <a:r>
-              <a:rPr lang="en-US" sz="2400" b="1" dirty="0" smtClean="0">
+              <a:t> if (x + 1) {</a:t>
+            </a:r>
+          </a:p>
+          <a:p>
+            <a:r>
+              <a:rPr lang="en-US" sz="2400" b="1" dirty="0">
                 <a:solidFill>
                   <a:schemeClr val="tx1"/>
                 </a:solidFill>
                 <a:latin typeface="Courier New" panose="02070309020205020404" pitchFamily="49" charset="0"/>
                 <a:cs typeface="Courier New" panose="02070309020205020404" pitchFamily="49" charset="0"/>
               </a:rPr>
-              <a:t>= </a:t>
+              <a:t> </a:t>
             </a:r>
             <a:r>
               <a:rPr lang="en-US" sz="2400" b="1" dirty="0" smtClean="0">
@@ -9942,19 +9750,17 @@
                 <a:latin typeface="Courier New" panose="02070309020205020404" pitchFamily="49" charset="0"/>
                 <a:cs typeface="Courier New" panose="02070309020205020404" pitchFamily="49" charset="0"/>
               </a:rPr>
-              <a:t>1;</a:t>
-            </a:r>
-          </a:p>
-          <a:p>
-            <a:r>
-              <a:rPr lang="en-US" sz="2400" b="1" dirty="0">
+              <a:t>   </a:t>
+            </a:r>
+            <a:r>
+              <a:rPr lang="en-US" sz="2400" b="1" dirty="0" err="1" smtClean="0">
                 <a:solidFill>
                   <a:schemeClr val="tx1"/>
                 </a:solidFill>
                 <a:latin typeface="Courier New" panose="02070309020205020404" pitchFamily="49" charset="0"/>
                 <a:cs typeface="Courier New" panose="02070309020205020404" pitchFamily="49" charset="0"/>
               </a:rPr>
-              <a:t> </a:t>
+              <a:t>int</a:t>
             </a:r>
             <a:r>
               <a:rPr lang="en-US" sz="2400" b="1" dirty="0" smtClean="0">
@@ -9964,15 +9770,8 @@
                 <a:latin typeface="Courier New" panose="02070309020205020404" pitchFamily="49" charset="0"/>
                 <a:cs typeface="Courier New" panose="02070309020205020404" pitchFamily="49" charset="0"/>
               </a:rPr>
-              <a:t> if (x + 1) {</a:t>
-            </a:r>
-            <a:endParaRPr lang="en-US" sz="2400" b="1" dirty="0" smtClean="0">
-              <a:solidFill>
-                <a:schemeClr val="tx1"/>
-              </a:solidFill>
-              <a:latin typeface="Courier New" panose="02070309020205020404" pitchFamily="49" charset="0"/>
-              <a:cs typeface="Courier New" panose="02070309020205020404" pitchFamily="49" charset="0"/>
-            </a:endParaRPr>
+              <a:t> z = 2;</a:t>
+            </a:r>
           </a:p>
           <a:p>
             <a:r>
@@ -9993,57 +9792,8 @@
                 <a:latin typeface="Courier New" panose="02070309020205020404" pitchFamily="49" charset="0"/>
                 <a:cs typeface="Courier New" panose="02070309020205020404" pitchFamily="49" charset="0"/>
               </a:rPr>
-              <a:t>   </a:t>
-            </a:r>
-            <a:r>
-              <a:rPr lang="en-US" sz="2400" b="1" dirty="0" err="1" smtClean="0">
-                <a:solidFill>
-                  <a:schemeClr val="tx1"/>
-                </a:solidFill>
-                <a:latin typeface="Courier New" panose="02070309020205020404" pitchFamily="49" charset="0"/>
-                <a:cs typeface="Courier New" panose="02070309020205020404" pitchFamily="49" charset="0"/>
-              </a:rPr>
-              <a:t>int</a:t>
-            </a:r>
-            <a:r>
-              <a:rPr lang="en-US" sz="2400" b="1" dirty="0" smtClean="0">
-                <a:solidFill>
-                  <a:schemeClr val="tx1"/>
-                </a:solidFill>
-                <a:latin typeface="Courier New" panose="02070309020205020404" pitchFamily="49" charset="0"/>
-                <a:cs typeface="Courier New" panose="02070309020205020404" pitchFamily="49" charset="0"/>
-              </a:rPr>
-              <a:t> z = 2;</a:t>
-            </a:r>
-          </a:p>
-          <a:p>
-            <a:r>
-              <a:rPr lang="en-US" sz="2400" b="1" dirty="0">
-                <a:solidFill>
-                  <a:schemeClr val="tx1"/>
-                </a:solidFill>
-                <a:latin typeface="Courier New" panose="02070309020205020404" pitchFamily="49" charset="0"/>
-                <a:cs typeface="Courier New" panose="02070309020205020404" pitchFamily="49" charset="0"/>
-              </a:rPr>
-              <a:t> </a:t>
-            </a:r>
-            <a:r>
-              <a:rPr lang="en-US" sz="2400" b="1" dirty="0" smtClean="0">
-                <a:solidFill>
-                  <a:schemeClr val="tx1"/>
-                </a:solidFill>
-                <a:latin typeface="Courier New" panose="02070309020205020404" pitchFamily="49" charset="0"/>
-                <a:cs typeface="Courier New" panose="02070309020205020404" pitchFamily="49" charset="0"/>
-              </a:rPr>
               <a:t> }</a:t>
             </a:r>
-            <a:endParaRPr lang="en-US" sz="2400" b="1" dirty="0" smtClean="0">
-              <a:solidFill>
-                <a:schemeClr val="tx1"/>
-              </a:solidFill>
-              <a:latin typeface="Courier New" panose="02070309020205020404" pitchFamily="49" charset="0"/>
-              <a:cs typeface="Courier New" panose="02070309020205020404" pitchFamily="49" charset="0"/>
-            </a:endParaRPr>
           </a:p>
           <a:p>
             <a:r>
@@ -10182,11 +9932,6 @@
               </a:rPr>
               <a:t>Simple</a:t>
             </a:r>
-            <a:endParaRPr lang="en-US" sz="1400" dirty="0" smtClean="0">
-              <a:solidFill>
-                <a:schemeClr val="tx1"/>
-              </a:solidFill>
-            </a:endParaRPr>
           </a:p>
           <a:p>
             <a:pPr algn="ctr"/>
@@ -10365,11 +10110,6 @@
               </a:rPr>
               <a:t>1</a:t>
             </a:r>
-            <a:endParaRPr lang="en-US" sz="1400" dirty="0">
-              <a:solidFill>
-                <a:srgbClr val="C00000"/>
-              </a:solidFill>
-            </a:endParaRPr>
           </a:p>
         </p:txBody>
       </p:sp>
@@ -11005,8 +10745,10 @@
                 <a:latin typeface="Courier New" panose="02070309020205020404" pitchFamily="49" charset="0"/>
                 <a:cs typeface="Courier New" panose="02070309020205020404" pitchFamily="49" charset="0"/>
               </a:rPr>
-              <a:t>main(void</a:t>
-            </a:r>
+              <a:t>main(void) {</a:t>
+            </a:r>
+          </a:p>
+          <a:p>
             <a:r>
               <a:rPr lang="en-US" sz="2400" b="1" dirty="0" smtClean="0">
                 <a:solidFill>
@@ -11015,19 +10757,19 @@
                 <a:latin typeface="Courier New" panose="02070309020205020404" pitchFamily="49" charset="0"/>
                 <a:cs typeface="Courier New" panose="02070309020205020404" pitchFamily="49" charset="0"/>
               </a:rPr>
-              <a:t>) {</a:t>
-            </a:r>
-          </a:p>
-          <a:p>
-            <a:r>
-              <a:rPr lang="en-US" sz="2400" b="1" dirty="0" smtClean="0">
+              <a:t>  string x = “A”;</a:t>
+            </a:r>
+          </a:p>
+          <a:p>
+            <a:r>
+              <a:rPr lang="en-US" sz="2400" b="1" dirty="0">
                 <a:solidFill>
                   <a:schemeClr val="tx1"/>
                 </a:solidFill>
                 <a:latin typeface="Courier New" panose="02070309020205020404" pitchFamily="49" charset="0"/>
                 <a:cs typeface="Courier New" panose="02070309020205020404" pitchFamily="49" charset="0"/>
               </a:rPr>
-              <a:t>  </a:t>
+              <a:t> </a:t>
             </a:r>
             <a:r>
               <a:rPr lang="en-US" sz="2400" b="1" dirty="0" smtClean="0">
@@ -11037,17 +10779,19 @@
                 <a:latin typeface="Courier New" panose="02070309020205020404" pitchFamily="49" charset="0"/>
                 <a:cs typeface="Courier New" panose="02070309020205020404" pitchFamily="49" charset="0"/>
               </a:rPr>
-              <a:t>string x </a:t>
-            </a:r>
-            <a:r>
-              <a:rPr lang="en-US" sz="2400" b="1" dirty="0" smtClean="0">
+              <a:t> while (x + “B”) {</a:t>
+            </a:r>
+          </a:p>
+          <a:p>
+            <a:r>
+              <a:rPr lang="en-US" sz="2400" b="1" dirty="0">
                 <a:solidFill>
                   <a:schemeClr val="tx1"/>
                 </a:solidFill>
                 <a:latin typeface="Courier New" panose="02070309020205020404" pitchFamily="49" charset="0"/>
                 <a:cs typeface="Courier New" panose="02070309020205020404" pitchFamily="49" charset="0"/>
               </a:rPr>
-              <a:t>= </a:t>
+              <a:t> </a:t>
             </a:r>
             <a:r>
               <a:rPr lang="en-US" sz="2400" b="1" dirty="0" smtClean="0">
@@ -11057,118 +10801,50 @@
                 <a:latin typeface="Courier New" panose="02070309020205020404" pitchFamily="49" charset="0"/>
                 <a:cs typeface="Courier New" panose="02070309020205020404" pitchFamily="49" charset="0"/>
               </a:rPr>
-              <a:t>“A”</a:t>
-            </a:r>
-            <a:r>
-              <a:rPr lang="en-US" sz="2400" b="1" dirty="0" smtClean="0">
+              <a:t>   </a:t>
+            </a:r>
+            <a:r>
+              <a:rPr lang="en-US" sz="2400" b="1" dirty="0" err="1" smtClean="0">
                 <a:solidFill>
                   <a:schemeClr val="tx1"/>
                 </a:solidFill>
                 <a:latin typeface="Courier New" panose="02070309020205020404" pitchFamily="49" charset="0"/>
                 <a:cs typeface="Courier New" panose="02070309020205020404" pitchFamily="49" charset="0"/>
               </a:rPr>
-              <a:t>;</a:t>
-            </a:r>
-          </a:p>
-          <a:p>
-            <a:r>
-              <a:rPr lang="en-US" sz="2400" b="1" dirty="0">
+              <a:t>int</a:t>
+            </a:r>
+            <a:r>
+              <a:rPr lang="en-US" sz="2400" b="1" dirty="0" smtClean="0">
                 <a:solidFill>
                   <a:schemeClr val="tx1"/>
                 </a:solidFill>
                 <a:latin typeface="Courier New" panose="02070309020205020404" pitchFamily="49" charset="0"/>
                 <a:cs typeface="Courier New" panose="02070309020205020404" pitchFamily="49" charset="0"/>
               </a:rPr>
-              <a:t> </a:t>
-            </a:r>
-            <a:r>
-              <a:rPr lang="en-US" sz="2400" b="1" dirty="0" smtClean="0">
+              <a:t> z = 2;</a:t>
+            </a:r>
+          </a:p>
+          <a:p>
+            <a:r>
+              <a:rPr lang="en-US" sz="2400" b="1" dirty="0">
                 <a:solidFill>
                   <a:schemeClr val="tx1"/>
                 </a:solidFill>
                 <a:latin typeface="Courier New" panose="02070309020205020404" pitchFamily="49" charset="0"/>
                 <a:cs typeface="Courier New" panose="02070309020205020404" pitchFamily="49" charset="0"/>
               </a:rPr>
-              <a:t> while (x + “B”) {</a:t>
-            </a:r>
-            <a:endParaRPr lang="en-US" sz="2400" b="1" dirty="0" smtClean="0">
-              <a:solidFill>
-                <a:schemeClr val="tx1"/>
-              </a:solidFill>
-              <a:latin typeface="Courier New" panose="02070309020205020404" pitchFamily="49" charset="0"/>
-              <a:cs typeface="Courier New" panose="02070309020205020404" pitchFamily="49" charset="0"/>
-            </a:endParaRPr>
-          </a:p>
-          <a:p>
-            <a:r>
-              <a:rPr lang="en-US" sz="2400" b="1" dirty="0">
+              <a:t> </a:t>
+            </a:r>
+            <a:r>
+              <a:rPr lang="en-US" sz="2400" b="1" dirty="0" smtClean="0">
                 <a:solidFill>
                   <a:schemeClr val="tx1"/>
                 </a:solidFill>
                 <a:latin typeface="Courier New" panose="02070309020205020404" pitchFamily="49" charset="0"/>
                 <a:cs typeface="Courier New" panose="02070309020205020404" pitchFamily="49" charset="0"/>
               </a:rPr>
-              <a:t> </a:t>
-            </a:r>
-            <a:r>
-              <a:rPr lang="en-US" sz="2400" b="1" dirty="0" smtClean="0">
-                <a:solidFill>
-                  <a:schemeClr val="tx1"/>
-                </a:solidFill>
-                <a:latin typeface="Courier New" panose="02070309020205020404" pitchFamily="49" charset="0"/>
-                <a:cs typeface="Courier New" panose="02070309020205020404" pitchFamily="49" charset="0"/>
-              </a:rPr>
-              <a:t>   </a:t>
-            </a:r>
-            <a:r>
-              <a:rPr lang="en-US" sz="2400" b="1" dirty="0" err="1" smtClean="0">
-                <a:solidFill>
-                  <a:schemeClr val="tx1"/>
-                </a:solidFill>
-                <a:latin typeface="Courier New" panose="02070309020205020404" pitchFamily="49" charset="0"/>
-                <a:cs typeface="Courier New" panose="02070309020205020404" pitchFamily="49" charset="0"/>
-              </a:rPr>
-              <a:t>int</a:t>
-            </a:r>
-            <a:r>
-              <a:rPr lang="en-US" sz="2400" b="1" dirty="0" smtClean="0">
-                <a:solidFill>
-                  <a:schemeClr val="tx1"/>
-                </a:solidFill>
-                <a:latin typeface="Courier New" panose="02070309020205020404" pitchFamily="49" charset="0"/>
-                <a:cs typeface="Courier New" panose="02070309020205020404" pitchFamily="49" charset="0"/>
-              </a:rPr>
-              <a:t> z = 2;</a:t>
-            </a:r>
-          </a:p>
-          <a:p>
-            <a:r>
-              <a:rPr lang="en-US" sz="2400" b="1" dirty="0">
-                <a:solidFill>
-                  <a:schemeClr val="tx1"/>
-                </a:solidFill>
-                <a:latin typeface="Courier New" panose="02070309020205020404" pitchFamily="49" charset="0"/>
-                <a:cs typeface="Courier New" panose="02070309020205020404" pitchFamily="49" charset="0"/>
-              </a:rPr>
-              <a:t> </a:t>
-            </a:r>
-            <a:r>
-              <a:rPr lang="en-US" sz="2400" b="1" dirty="0" smtClean="0">
-                <a:solidFill>
-                  <a:schemeClr val="tx1"/>
-                </a:solidFill>
-                <a:latin typeface="Courier New" panose="02070309020205020404" pitchFamily="49" charset="0"/>
-                <a:cs typeface="Courier New" panose="02070309020205020404" pitchFamily="49" charset="0"/>
-              </a:rPr>
               <a:t> }</a:t>
             </a:r>
-            <a:endParaRPr lang="en-US" sz="2400" b="1" dirty="0" smtClean="0">
-              <a:solidFill>
-                <a:schemeClr val="tx1"/>
-              </a:solidFill>
-              <a:latin typeface="Courier New" panose="02070309020205020404" pitchFamily="49" charset="0"/>
-              <a:cs typeface="Courier New" panose="02070309020205020404" pitchFamily="49" charset="0"/>
-            </a:endParaRPr>
           </a:p>
           <a:p>
             <a:r>
@@ -11307,11 +10983,6 @@
               </a:rPr>
               <a:t>Simple</a:t>
             </a:r>
-            <a:endParaRPr lang="en-US" sz="1400" dirty="0" smtClean="0">
-              <a:solidFill>
-                <a:schemeClr val="tx1"/>
-              </a:solidFill>
-            </a:endParaRPr>
           </a:p>
           <a:p>
             <a:pPr algn="ctr"/>
@@ -12123,8 +11794,10 @@
                 <a:latin typeface="Courier New" panose="02070309020205020404" pitchFamily="49" charset="0"/>
                 <a:cs typeface="Courier New" panose="02070309020205020404" pitchFamily="49" charset="0"/>
               </a:rPr>
-              <a:t> main(void</a:t>
-            </a:r>
+              <a:t> main(void) {</a:t>
+            </a:r>
+          </a:p>
+          <a:p>
             <a:r>
               <a:rPr lang="en-US" sz="2400" b="1" dirty="0" smtClean="0">
                 <a:solidFill>
@@ -12133,37 +11806,8 @@
                 <a:latin typeface="Courier New" panose="02070309020205020404" pitchFamily="49" charset="0"/>
                 <a:cs typeface="Courier New" panose="02070309020205020404" pitchFamily="49" charset="0"/>
               </a:rPr>
-              <a:t>) {</a:t>
-            </a:r>
-          </a:p>
-          <a:p>
-            <a:r>
-              <a:rPr lang="en-US" sz="2400" b="1" dirty="0" smtClean="0">
-                <a:solidFill>
-                  <a:schemeClr val="tx1"/>
-                </a:solidFill>
-                <a:latin typeface="Courier New" panose="02070309020205020404" pitchFamily="49" charset="0"/>
-                <a:cs typeface="Courier New" panose="02070309020205020404" pitchFamily="49" charset="0"/>
-              </a:rPr>
-              <a:t>  </a:t>
-            </a:r>
-            <a:r>
-              <a:rPr lang="en-US" sz="2400" b="1" dirty="0" smtClean="0">
-                <a:solidFill>
-                  <a:schemeClr val="tx1"/>
-                </a:solidFill>
-                <a:latin typeface="Courier New" panose="02070309020205020404" pitchFamily="49" charset="0"/>
-                <a:cs typeface="Courier New" panose="02070309020205020404" pitchFamily="49" charset="0"/>
-              </a:rPr>
-              <a:t>return 17;</a:t>
-            </a:r>
-            <a:endParaRPr lang="en-US" sz="2400" b="1" dirty="0" smtClean="0">
-              <a:solidFill>
-                <a:schemeClr val="tx1"/>
-              </a:solidFill>
-              <a:latin typeface="Courier New" panose="02070309020205020404" pitchFamily="49" charset="0"/>
-              <a:cs typeface="Courier New" panose="02070309020205020404" pitchFamily="49" charset="0"/>
-            </a:endParaRPr>
+              <a:t>  return 17;</a:t>
+            </a:r>
           </a:p>
           <a:p>
             <a:r>
@@ -12868,17 +12512,19 @@
                 <a:latin typeface="Courier New" panose="02070309020205020404" pitchFamily="49" charset="0"/>
                 <a:cs typeface="Courier New" panose="02070309020205020404" pitchFamily="49" charset="0"/>
               </a:rPr>
-              <a:t> main(void</a:t>
-            </a:r>
-            <a:r>
-              <a:rPr lang="en-US" sz="2400" b="1" dirty="0" smtClean="0">
+              <a:t> main(void) {</a:t>
+            </a:r>
+          </a:p>
+          <a:p>
+            <a:r>
+              <a:rPr lang="en-US" sz="2400" b="1" dirty="0">
                 <a:solidFill>
                   <a:schemeClr val="tx1"/>
                 </a:solidFill>
                 <a:latin typeface="Courier New" panose="02070309020205020404" pitchFamily="49" charset="0"/>
                 <a:cs typeface="Courier New" panose="02070309020205020404" pitchFamily="49" charset="0"/>
               </a:rPr>
-              <a:t>) </a:t>
+              <a:t> </a:t>
             </a:r>
             <a:r>
               <a:rPr lang="en-US" sz="2400" b="1" dirty="0" smtClean="0">
@@ -12888,66 +12534,20 @@
                 <a:latin typeface="Courier New" panose="02070309020205020404" pitchFamily="49" charset="0"/>
                 <a:cs typeface="Courier New" panose="02070309020205020404" pitchFamily="49" charset="0"/>
               </a:rPr>
-              <a:t>{</a:t>
-            </a:r>
-          </a:p>
-          <a:p>
-            <a:r>
-              <a:rPr lang="en-US" sz="2400" b="1" dirty="0">
+              <a:t> string s = “foo”</a:t>
+            </a:r>
+          </a:p>
+          <a:p>
+            <a:r>
+              <a:rPr lang="en-US" sz="2400" b="1" dirty="0" smtClean="0">
                 <a:solidFill>
                   <a:schemeClr val="tx1"/>
                 </a:solidFill>
                 <a:latin typeface="Courier New" panose="02070309020205020404" pitchFamily="49" charset="0"/>
                 <a:cs typeface="Courier New" panose="02070309020205020404" pitchFamily="49" charset="0"/>
               </a:rPr>
-              <a:t> </a:t>
-            </a:r>
-            <a:r>
-              <a:rPr lang="en-US" sz="2400" b="1" dirty="0" smtClean="0">
-                <a:solidFill>
-                  <a:schemeClr val="tx1"/>
-                </a:solidFill>
-                <a:latin typeface="Courier New" panose="02070309020205020404" pitchFamily="49" charset="0"/>
-                <a:cs typeface="Courier New" panose="02070309020205020404" pitchFamily="49" charset="0"/>
-              </a:rPr>
-              <a:t> string s = “foo”</a:t>
-            </a:r>
-            <a:endParaRPr lang="en-US" sz="2400" b="1" dirty="0" smtClean="0">
-              <a:solidFill>
-                <a:schemeClr val="tx1"/>
-              </a:solidFill>
-              <a:latin typeface="Courier New" panose="02070309020205020404" pitchFamily="49" charset="0"/>
-              <a:cs typeface="Courier New" panose="02070309020205020404" pitchFamily="49" charset="0"/>
-            </a:endParaRPr>
-          </a:p>
-          <a:p>
-            <a:r>
-              <a:rPr lang="en-US" sz="2400" b="1" dirty="0" smtClean="0">
-                <a:solidFill>
-                  <a:schemeClr val="tx1"/>
-                </a:solidFill>
-                <a:latin typeface="Courier New" panose="02070309020205020404" pitchFamily="49" charset="0"/>
-                <a:cs typeface="Courier New" panose="02070309020205020404" pitchFamily="49" charset="0"/>
-              </a:rPr>
-              <a:t>  </a:t>
-            </a:r>
-            <a:r>
-              <a:rPr lang="en-US" sz="2400" b="1" dirty="0" smtClean="0">
-                <a:solidFill>
-                  <a:schemeClr val="tx1"/>
-                </a:solidFill>
-                <a:latin typeface="Courier New" panose="02070309020205020404" pitchFamily="49" charset="0"/>
-                <a:cs typeface="Courier New" panose="02070309020205020404" pitchFamily="49" charset="0"/>
-              </a:rPr>
-              <a:t>return x + “bar”;</a:t>
-            </a:r>
-            <a:endParaRPr lang="en-US" sz="2400" b="1" dirty="0" smtClean="0">
-              <a:solidFill>
-                <a:schemeClr val="tx1"/>
-              </a:solidFill>
-              <a:latin typeface="Courier New" panose="02070309020205020404" pitchFamily="49" charset="0"/>
-              <a:cs typeface="Courier New" panose="02070309020205020404" pitchFamily="49" charset="0"/>
-            </a:endParaRPr>
+              <a:t>  return x + “bar”;</a:t>
+            </a:r>
           </a:p>
           <a:p>
             <a:r>
@@ -13421,11 +13021,6 @@
               </a:rPr>
               <a:t>Simple</a:t>
             </a:r>
-            <a:endParaRPr lang="en-US" sz="1400" dirty="0" smtClean="0">
-              <a:solidFill>
-                <a:schemeClr val="tx1"/>
-              </a:solidFill>
-            </a:endParaRPr>
           </a:p>
           <a:p>
             <a:pPr algn="ctr"/>
@@ -14032,17 +13627,19 @@
                 <a:latin typeface="Courier New" panose="02070309020205020404" pitchFamily="49" charset="0"/>
                 <a:cs typeface="Courier New" panose="02070309020205020404" pitchFamily="49" charset="0"/>
               </a:rPr>
-              <a:t>void main(void</a:t>
-            </a:r>
-            <a:r>
-              <a:rPr lang="en-US" sz="2400" b="1" dirty="0" smtClean="0">
+              <a:t>void main(void) {</a:t>
+            </a:r>
+          </a:p>
+          <a:p>
+            <a:r>
+              <a:rPr lang="en-US" sz="2400" b="1" dirty="0">
                 <a:solidFill>
                   <a:schemeClr val="tx1"/>
                 </a:solidFill>
                 <a:latin typeface="Courier New" panose="02070309020205020404" pitchFamily="49" charset="0"/>
                 <a:cs typeface="Courier New" panose="02070309020205020404" pitchFamily="49" charset="0"/>
               </a:rPr>
-              <a:t>) </a:t>
+              <a:t> </a:t>
             </a:r>
             <a:r>
               <a:rPr lang="en-US" sz="2400" b="1" dirty="0" smtClean="0">
@@ -14052,19 +13649,17 @@
                 <a:latin typeface="Courier New" panose="02070309020205020404" pitchFamily="49" charset="0"/>
                 <a:cs typeface="Courier New" panose="02070309020205020404" pitchFamily="49" charset="0"/>
               </a:rPr>
-              <a:t>{</a:t>
-            </a:r>
-          </a:p>
-          <a:p>
-            <a:r>
-              <a:rPr lang="en-US" sz="2400" b="1" dirty="0">
+              <a:t> </a:t>
+            </a:r>
+            <a:r>
+              <a:rPr lang="en-US" sz="2400" b="1" dirty="0" err="1" smtClean="0">
                 <a:solidFill>
                   <a:schemeClr val="tx1"/>
                 </a:solidFill>
                 <a:latin typeface="Courier New" panose="02070309020205020404" pitchFamily="49" charset="0"/>
                 <a:cs typeface="Courier New" panose="02070309020205020404" pitchFamily="49" charset="0"/>
               </a:rPr>
-              <a:t> </a:t>
+              <a:t>int</a:t>
             </a:r>
             <a:r>
               <a:rPr lang="en-US" sz="2400" b="1" dirty="0" smtClean="0">
@@ -14074,64 +13669,20 @@
                 <a:latin typeface="Courier New" panose="02070309020205020404" pitchFamily="49" charset="0"/>
                 <a:cs typeface="Courier New" panose="02070309020205020404" pitchFamily="49" charset="0"/>
               </a:rPr>
-              <a:t> </a:t>
-            </a:r>
-            <a:r>
-              <a:rPr lang="en-US" sz="2400" b="1" dirty="0" err="1" smtClean="0">
+              <a:t> x = 1;</a:t>
+            </a:r>
+          </a:p>
+          <a:p>
+            <a:r>
+              <a:rPr lang="en-US" sz="2400" b="1" dirty="0" smtClean="0">
                 <a:solidFill>
                   <a:schemeClr val="tx1"/>
                 </a:solidFill>
                 <a:latin typeface="Courier New" panose="02070309020205020404" pitchFamily="49" charset="0"/>
                 <a:cs typeface="Courier New" panose="02070309020205020404" pitchFamily="49" charset="0"/>
               </a:rPr>
-              <a:t>int</a:t>
-            </a:r>
-            <a:r>
-              <a:rPr lang="en-US" sz="2400" b="1" dirty="0" smtClean="0">
-                <a:solidFill>
-                  <a:schemeClr val="tx1"/>
-                </a:solidFill>
-                <a:latin typeface="Courier New" panose="02070309020205020404" pitchFamily="49" charset="0"/>
-                <a:cs typeface="Courier New" panose="02070309020205020404" pitchFamily="49" charset="0"/>
-              </a:rPr>
-              <a:t> x = 1;</a:t>
-            </a:r>
-            <a:endParaRPr lang="en-US" sz="2400" b="1" dirty="0" smtClean="0">
-              <a:solidFill>
-                <a:schemeClr val="tx1"/>
-              </a:solidFill>
-              <a:latin typeface="Courier New" panose="02070309020205020404" pitchFamily="49" charset="0"/>
-              <a:cs typeface="Courier New" panose="02070309020205020404" pitchFamily="49" charset="0"/>
-            </a:endParaRPr>
-          </a:p>
-          <a:p>
-            <a:r>
-              <a:rPr lang="en-US" sz="2400" b="1" dirty="0" smtClean="0">
-                <a:solidFill>
-                  <a:schemeClr val="tx1"/>
-                </a:solidFill>
-                <a:latin typeface="Courier New" panose="02070309020205020404" pitchFamily="49" charset="0"/>
-                <a:cs typeface="Courier New" panose="02070309020205020404" pitchFamily="49" charset="0"/>
-              </a:rPr>
-              <a:t>  </a:t>
-            </a:r>
-            <a:r>
-              <a:rPr lang="en-US" sz="2400" b="1" dirty="0" smtClean="0">
-                <a:solidFill>
-                  <a:schemeClr val="tx1"/>
-                </a:solidFill>
-                <a:latin typeface="Courier New" panose="02070309020205020404" pitchFamily="49" charset="0"/>
-                <a:cs typeface="Courier New" panose="02070309020205020404" pitchFamily="49" charset="0"/>
-              </a:rPr>
-              <a:t>return x + 1;</a:t>
-            </a:r>
-            <a:endParaRPr lang="en-US" sz="2400" b="1" dirty="0" smtClean="0">
-              <a:solidFill>
-                <a:schemeClr val="tx1"/>
-              </a:solidFill>
-              <a:latin typeface="Courier New" panose="02070309020205020404" pitchFamily="49" charset="0"/>
-              <a:cs typeface="Courier New" panose="02070309020205020404" pitchFamily="49" charset="0"/>
-            </a:endParaRPr>
+              <a:t>  return x + 1;</a:t>
+            </a:r>
           </a:p>
           <a:p>
             <a:r>
@@ -14605,11 +14156,6 @@
               </a:rPr>
               <a:t>Simple</a:t>
             </a:r>
-            <a:endParaRPr lang="en-US" sz="1400" dirty="0" smtClean="0">
-              <a:solidFill>
-                <a:schemeClr val="tx1"/>
-              </a:solidFill>
-            </a:endParaRPr>
           </a:p>
           <a:p>
             <a:pPr algn="ctr"/>
@@ -15269,8 +14815,10 @@
                 <a:latin typeface="Courier New" panose="02070309020205020404" pitchFamily="49" charset="0"/>
                 <a:cs typeface="Courier New" panose="02070309020205020404" pitchFamily="49" charset="0"/>
               </a:rPr>
-              <a:t> main(void</a:t>
-            </a:r>
+              <a:t> main(void) {</a:t>
+            </a:r>
+          </a:p>
+          <a:p>
             <a:r>
               <a:rPr lang="en-US" sz="2400" b="1" dirty="0" smtClean="0">
                 <a:solidFill>
@@ -15279,37 +14827,8 @@
                 <a:latin typeface="Courier New" panose="02070309020205020404" pitchFamily="49" charset="0"/>
                 <a:cs typeface="Courier New" panose="02070309020205020404" pitchFamily="49" charset="0"/>
               </a:rPr>
-              <a:t>) </a:t>
-            </a:r>
-            <a:r>
-              <a:rPr lang="en-US" sz="2400" b="1" dirty="0" smtClean="0">
-                <a:solidFill>
-                  <a:schemeClr val="tx1"/>
-                </a:solidFill>
-                <a:latin typeface="Courier New" panose="02070309020205020404" pitchFamily="49" charset="0"/>
-                <a:cs typeface="Courier New" panose="02070309020205020404" pitchFamily="49" charset="0"/>
-              </a:rPr>
-              <a:t>{</a:t>
-            </a:r>
-          </a:p>
-          <a:p>
-            <a:r>
-              <a:rPr lang="en-US" sz="2400" b="1" dirty="0" smtClean="0">
-                <a:solidFill>
-                  <a:schemeClr val="tx1"/>
-                </a:solidFill>
-                <a:latin typeface="Courier New" panose="02070309020205020404" pitchFamily="49" charset="0"/>
-                <a:cs typeface="Courier New" panose="02070309020205020404" pitchFamily="49" charset="0"/>
-              </a:rPr>
               <a:t>  return g() + “4”;</a:t>
             </a:r>
-            <a:endParaRPr lang="en-US" sz="2400" b="1" dirty="0" smtClean="0">
-              <a:solidFill>
-                <a:schemeClr val="tx1"/>
-              </a:solidFill>
-              <a:latin typeface="Courier New" panose="02070309020205020404" pitchFamily="49" charset="0"/>
-              <a:cs typeface="Courier New" panose="02070309020205020404" pitchFamily="49" charset="0"/>
-            </a:endParaRPr>
           </a:p>
           <a:p>
             <a:r>
@@ -16575,8 +16094,10 @@
                 <a:latin typeface="Courier New" panose="02070309020205020404" pitchFamily="49" charset="0"/>
                 <a:cs typeface="Courier New" panose="02070309020205020404" pitchFamily="49" charset="0"/>
               </a:rPr>
-              <a:t> main(void</a:t>
-            </a:r>
+              <a:t> main(void) {</a:t>
+            </a:r>
+          </a:p>
+          <a:p>
             <a:r>
               <a:rPr lang="en-US" sz="2400" b="1" dirty="0" smtClean="0">
                 <a:solidFill>
@@ -16585,37 +16106,8 @@
                 <a:latin typeface="Courier New" panose="02070309020205020404" pitchFamily="49" charset="0"/>
                 <a:cs typeface="Courier New" panose="02070309020205020404" pitchFamily="49" charset="0"/>
               </a:rPr>
-              <a:t>) </a:t>
-            </a:r>
-            <a:r>
-              <a:rPr lang="en-US" sz="2400" b="1" dirty="0" smtClean="0">
-                <a:solidFill>
-                  <a:schemeClr val="tx1"/>
-                </a:solidFill>
-                <a:latin typeface="Courier New" panose="02070309020205020404" pitchFamily="49" charset="0"/>
-                <a:cs typeface="Courier New" panose="02070309020205020404" pitchFamily="49" charset="0"/>
-              </a:rPr>
-              <a:t>{</a:t>
-            </a:r>
-          </a:p>
-          <a:p>
-            <a:r>
-              <a:rPr lang="en-US" sz="2400" b="1" dirty="0" smtClean="0">
-                <a:solidFill>
-                  <a:schemeClr val="tx1"/>
-                </a:solidFill>
-                <a:latin typeface="Courier New" panose="02070309020205020404" pitchFamily="49" charset="0"/>
-                <a:cs typeface="Courier New" panose="02070309020205020404" pitchFamily="49" charset="0"/>
-              </a:rPr>
               <a:t>  return g(42);</a:t>
             </a:r>
-            <a:endParaRPr lang="en-US" sz="2400" b="1" dirty="0" smtClean="0">
-              <a:solidFill>
-                <a:schemeClr val="tx1"/>
-              </a:solidFill>
-              <a:latin typeface="Courier New" panose="02070309020205020404" pitchFamily="49" charset="0"/>
-              <a:cs typeface="Courier New" panose="02070309020205020404" pitchFamily="49" charset="0"/>
-            </a:endParaRPr>
           </a:p>
           <a:p>
             <a:r>
@@ -17228,11 +16720,6 @@
               </a:rPr>
               <a:t>g</a:t>
             </a:r>
-            <a:endParaRPr lang="en-US" sz="1400" dirty="0">
-              <a:solidFill>
-                <a:srgbClr val="C00000"/>
-              </a:solidFill>
-            </a:endParaRPr>
           </a:p>
         </p:txBody>
       </p:sp>
@@ -18199,17 +17686,19 @@
                 <a:latin typeface="Courier New" panose="02070309020205020404" pitchFamily="49" charset="0"/>
                 <a:cs typeface="Courier New" panose="02070309020205020404" pitchFamily="49" charset="0"/>
               </a:rPr>
-              <a:t> main(void</a:t>
-            </a:r>
-            <a:r>
-              <a:rPr lang="en-US" sz="2400" b="1" dirty="0" smtClean="0">
+              <a:t> main(void) {</a:t>
+            </a:r>
+          </a:p>
+          <a:p>
+            <a:r>
+              <a:rPr lang="en-US" sz="2400" b="1" dirty="0">
                 <a:solidFill>
                   <a:schemeClr val="tx1"/>
                 </a:solidFill>
                 <a:latin typeface="Courier New" panose="02070309020205020404" pitchFamily="49" charset="0"/>
                 <a:cs typeface="Courier New" panose="02070309020205020404" pitchFamily="49" charset="0"/>
               </a:rPr>
-              <a:t>) </a:t>
+              <a:t> </a:t>
             </a:r>
             <a:r>
               <a:rPr lang="en-US" sz="2400" b="1" dirty="0" smtClean="0">
@@ -18219,56 +17708,20 @@
                 <a:latin typeface="Courier New" panose="02070309020205020404" pitchFamily="49" charset="0"/>
                 <a:cs typeface="Courier New" panose="02070309020205020404" pitchFamily="49" charset="0"/>
               </a:rPr>
-              <a:t>{</a:t>
-            </a:r>
-          </a:p>
-          <a:p>
-            <a:r>
-              <a:rPr lang="en-US" sz="2400" b="1" dirty="0">
+              <a:t> string z = “...”</a:t>
+            </a:r>
+          </a:p>
+          <a:p>
+            <a:r>
+              <a:rPr lang="en-US" sz="2400" b="1" dirty="0" smtClean="0">
                 <a:solidFill>
                   <a:schemeClr val="tx1"/>
                 </a:solidFill>
                 <a:latin typeface="Courier New" panose="02070309020205020404" pitchFamily="49" charset="0"/>
                 <a:cs typeface="Courier New" panose="02070309020205020404" pitchFamily="49" charset="0"/>
               </a:rPr>
-              <a:t> </a:t>
-            </a:r>
-            <a:r>
-              <a:rPr lang="en-US" sz="2400" b="1" dirty="0" smtClean="0">
-                <a:solidFill>
-                  <a:schemeClr val="tx1"/>
-                </a:solidFill>
-                <a:latin typeface="Courier New" panose="02070309020205020404" pitchFamily="49" charset="0"/>
-                <a:cs typeface="Courier New" panose="02070309020205020404" pitchFamily="49" charset="0"/>
-              </a:rPr>
-              <a:t> string z = “...”</a:t>
-            </a:r>
-            <a:endParaRPr lang="en-US" sz="2400" b="1" dirty="0" smtClean="0">
-              <a:solidFill>
-                <a:schemeClr val="tx1"/>
-              </a:solidFill>
-              <a:latin typeface="Courier New" panose="02070309020205020404" pitchFamily="49" charset="0"/>
-              <a:cs typeface="Courier New" panose="02070309020205020404" pitchFamily="49" charset="0"/>
-            </a:endParaRPr>
-          </a:p>
-          <a:p>
-            <a:r>
-              <a:rPr lang="en-US" sz="2400" b="1" dirty="0" smtClean="0">
-                <a:solidFill>
-                  <a:schemeClr val="tx1"/>
-                </a:solidFill>
-                <a:latin typeface="Courier New" panose="02070309020205020404" pitchFamily="49" charset="0"/>
-                <a:cs typeface="Courier New" panose="02070309020205020404" pitchFamily="49" charset="0"/>
-              </a:rPr>
               <a:t>  return g(z);</a:t>
             </a:r>
-            <a:endParaRPr lang="en-US" sz="2400" b="1" dirty="0" smtClean="0">
-              <a:solidFill>
-                <a:schemeClr val="tx1"/>
-              </a:solidFill>
-              <a:latin typeface="Courier New" panose="02070309020205020404" pitchFamily="49" charset="0"/>
-              <a:cs typeface="Courier New" panose="02070309020205020404" pitchFamily="49" charset="0"/>
-            </a:endParaRPr>
           </a:p>
           <a:p>
             <a:r>
@@ -18897,11 +18350,6 @@
               </a:rPr>
               <a:t>g</a:t>
             </a:r>
-            <a:endParaRPr lang="en-US" sz="1400" dirty="0">
-              <a:solidFill>
-                <a:srgbClr val="C00000"/>
-              </a:solidFill>
-            </a:endParaRPr>
           </a:p>
         </p:txBody>
       </p:sp>
@@ -19819,13 +19267,6 @@
               </a:rPr>
               <a:t> 10;</a:t>
             </a:r>
-            <a:endParaRPr lang="en-US" sz="2400" b="1" dirty="0" smtClean="0">
-              <a:solidFill>
-                <a:schemeClr val="tx1"/>
-              </a:solidFill>
-              <a:latin typeface="Courier New" panose="02070309020205020404" pitchFamily="49" charset="0"/>
-              <a:cs typeface="Courier New" panose="02070309020205020404" pitchFamily="49" charset="0"/>
-            </a:endParaRPr>
           </a:p>
           <a:p>
             <a:r>
@@ -19838,13 +19279,6 @@
               </a:rPr>
               <a:t>  return foo(a, a);</a:t>
             </a:r>
-            <a:endParaRPr lang="en-US" sz="2400" b="1" dirty="0" smtClean="0">
-              <a:solidFill>
-                <a:schemeClr val="tx1"/>
-              </a:solidFill>
-              <a:latin typeface="Courier New" panose="02070309020205020404" pitchFamily="49" charset="0"/>
-              <a:cs typeface="Courier New" panose="02070309020205020404" pitchFamily="49" charset="0"/>
-            </a:endParaRPr>
           </a:p>
           <a:p>
             <a:r>
@@ -20400,11 +19834,6 @@
               </a:rPr>
               <a:t>a</a:t>
             </a:r>
-            <a:endParaRPr lang="en-US" sz="1400" dirty="0">
-              <a:solidFill>
-                <a:srgbClr val="C00000"/>
-              </a:solidFill>
-            </a:endParaRPr>
           </a:p>
         </p:txBody>
       </p:sp>
@@ -21007,11 +20436,6 @@
               </a:rPr>
               <a:t>a</a:t>
             </a:r>
-            <a:endParaRPr lang="en-US" sz="1400" dirty="0">
-              <a:solidFill>
-                <a:srgbClr val="C00000"/>
-              </a:solidFill>
-            </a:endParaRPr>
           </a:p>
         </p:txBody>
       </p:sp>
@@ -21311,13 +20735,6 @@
               </a:rPr>
               <a:t> 10;</a:t>
             </a:r>
-            <a:endParaRPr lang="en-US" sz="2400" b="1" dirty="0" smtClean="0">
-              <a:solidFill>
-                <a:schemeClr val="tx1"/>
-              </a:solidFill>
-              <a:latin typeface="Courier New" panose="02070309020205020404" pitchFamily="49" charset="0"/>
-              <a:cs typeface="Courier New" panose="02070309020205020404" pitchFamily="49" charset="0"/>
-            </a:endParaRPr>
           </a:p>
           <a:p>
             <a:r>
@@ -21330,13 +20747,6 @@
               </a:rPr>
               <a:t>  return bar(a, a);</a:t>
             </a:r>
-            <a:endParaRPr lang="en-US" sz="2400" b="1" dirty="0" smtClean="0">
-              <a:solidFill>
-                <a:schemeClr val="tx1"/>
-              </a:solidFill>
-              <a:latin typeface="Courier New" panose="02070309020205020404" pitchFamily="49" charset="0"/>
-              <a:cs typeface="Courier New" panose="02070309020205020404" pitchFamily="49" charset="0"/>
-            </a:endParaRPr>
           </a:p>
           <a:p>
             <a:r>
@@ -21892,11 +21302,6 @@
               </a:rPr>
               <a:t>a</a:t>
             </a:r>
-            <a:endParaRPr lang="en-US" sz="1400" dirty="0">
-              <a:solidFill>
-                <a:srgbClr val="C00000"/>
-              </a:solidFill>
-            </a:endParaRPr>
           </a:p>
         </p:txBody>
       </p:sp>
@@ -22499,11 +21904,6 @@
               </a:rPr>
               <a:t>a</a:t>
             </a:r>
-            <a:endParaRPr lang="en-US" sz="1400" dirty="0">
-              <a:solidFill>
-                <a:srgbClr val="C00000"/>
-              </a:solidFill>
-            </a:endParaRPr>
           </a:p>
         </p:txBody>
       </p:sp>
@@ -22774,28 +22174,30 @@
                 <a:latin typeface="Courier New" panose="02070309020205020404" pitchFamily="49" charset="0"/>
                 <a:cs typeface="Courier New" panose="02070309020205020404" pitchFamily="49" charset="0"/>
               </a:rPr>
-              <a:t>        </a:t>
-            </a:r>
-            <a:r>
-              <a:rPr lang="en-US" sz="2400" b="1" dirty="0" smtClean="0">
+              <a:t>        string </a:t>
+            </a:r>
+            <a:r>
+              <a:rPr lang="en-US" sz="2400" b="1" dirty="0" err="1" smtClean="0">
                 <a:solidFill>
                   <a:schemeClr val="tx1"/>
                 </a:solidFill>
                 <a:latin typeface="Courier New" panose="02070309020205020404" pitchFamily="49" charset="0"/>
                 <a:cs typeface="Courier New" panose="02070309020205020404" pitchFamily="49" charset="0"/>
               </a:rPr>
-              <a:t>string </a:t>
-            </a:r>
-            <a:r>
-              <a:rPr lang="en-US" sz="2400" b="1" dirty="0" err="1" smtClean="0">
+              <a:t>argv</a:t>
+            </a:r>
+            <a:r>
+              <a:rPr lang="en-US" sz="2400" b="1" dirty="0" smtClean="0">
                 <a:solidFill>
                   <a:schemeClr val="tx1"/>
                 </a:solidFill>
                 <a:latin typeface="Courier New" panose="02070309020205020404" pitchFamily="49" charset="0"/>
                 <a:cs typeface="Courier New" panose="02070309020205020404" pitchFamily="49" charset="0"/>
               </a:rPr>
-              <a:t>argv</a:t>
-            </a:r>
+              <a:t>[]){</a:t>
+            </a:r>
+          </a:p>
+          <a:p>
             <a:r>
               <a:rPr lang="en-US" sz="2400" b="1" dirty="0" smtClean="0">
                 <a:solidFill>
@@ -22804,69 +22206,50 @@
                 <a:latin typeface="Courier New" panose="02070309020205020404" pitchFamily="49" charset="0"/>
                 <a:cs typeface="Courier New" panose="02070309020205020404" pitchFamily="49" charset="0"/>
               </a:rPr>
-              <a:t>[]){</a:t>
-            </a:r>
-          </a:p>
-          <a:p>
-            <a:r>
-              <a:rPr lang="en-US" sz="2400" b="1" dirty="0" smtClean="0">
+              <a:t>  main(2, </a:t>
+            </a:r>
+            <a:r>
+              <a:rPr lang="en-US" sz="2400" b="1" dirty="0" err="1" smtClean="0">
                 <a:solidFill>
                   <a:schemeClr val="tx1"/>
                 </a:solidFill>
                 <a:latin typeface="Courier New" panose="02070309020205020404" pitchFamily="49" charset="0"/>
                 <a:cs typeface="Courier New" panose="02070309020205020404" pitchFamily="49" charset="0"/>
               </a:rPr>
-              <a:t>  main(2, </a:t>
-            </a:r>
-            <a:r>
-              <a:rPr lang="en-US" sz="2400" b="1" dirty="0" err="1" smtClean="0">
+              <a:t>argv</a:t>
+            </a:r>
+            <a:r>
+              <a:rPr lang="en-US" sz="2400" b="1" dirty="0" smtClean="0">
                 <a:solidFill>
                   <a:schemeClr val="tx1"/>
                 </a:solidFill>
                 <a:latin typeface="Courier New" panose="02070309020205020404" pitchFamily="49" charset="0"/>
                 <a:cs typeface="Courier New" panose="02070309020205020404" pitchFamily="49" charset="0"/>
               </a:rPr>
-              <a:t>argv</a:t>
-            </a:r>
-            <a:r>
-              <a:rPr lang="en-US" sz="2400" b="1" dirty="0" smtClean="0">
+              <a:t>);</a:t>
+            </a:r>
+          </a:p>
+          <a:p>
+            <a:r>
+              <a:rPr lang="en-US" sz="2400" b="1" dirty="0">
                 <a:solidFill>
                   <a:schemeClr val="tx1"/>
                 </a:solidFill>
                 <a:latin typeface="Courier New" panose="02070309020205020404" pitchFamily="49" charset="0"/>
                 <a:cs typeface="Courier New" panose="02070309020205020404" pitchFamily="49" charset="0"/>
               </a:rPr>
-              <a:t>);</a:t>
-            </a:r>
-          </a:p>
-          <a:p>
-            <a:r>
-              <a:rPr lang="en-US" sz="2400" b="1" dirty="0">
+              <a:t> </a:t>
+            </a:r>
+            <a:r>
+              <a:rPr lang="en-US" sz="2400" b="1" dirty="0" smtClean="0">
                 <a:solidFill>
                   <a:schemeClr val="tx1"/>
                 </a:solidFill>
                 <a:latin typeface="Courier New" panose="02070309020205020404" pitchFamily="49" charset="0"/>
                 <a:cs typeface="Courier New" panose="02070309020205020404" pitchFamily="49" charset="0"/>
               </a:rPr>
-              <a:t> </a:t>
-            </a:r>
-            <a:r>
-              <a:rPr lang="en-US" sz="2400" b="1" dirty="0" smtClean="0">
-                <a:solidFill>
-                  <a:schemeClr val="tx1"/>
-                </a:solidFill>
-                <a:latin typeface="Courier New" panose="02070309020205020404" pitchFamily="49" charset="0"/>
-                <a:cs typeface="Courier New" panose="02070309020205020404" pitchFamily="49" charset="0"/>
-              </a:rPr>
               <a:t> return 0;</a:t>
             </a:r>
-            <a:endParaRPr lang="en-US" sz="2400" b="1" dirty="0" smtClean="0">
-              <a:solidFill>
-                <a:schemeClr val="tx1"/>
-              </a:solidFill>
-              <a:latin typeface="Courier New" panose="02070309020205020404" pitchFamily="49" charset="0"/>
-              <a:cs typeface="Courier New" panose="02070309020205020404" pitchFamily="49" charset="0"/>
-            </a:endParaRPr>
           </a:p>
           <a:p>
             <a:r>
@@ -24270,6 +23653,1000 @@
           </a:p>
         </p:txBody>
       </p:sp>
+      <p:sp>
+        <p:nvSpPr>
+          <p:cNvPr id="3" name="Rounded Rectangle 2"/>
+          <p:cNvSpPr/>
+          <p:nvPr/>
+        </p:nvSpPr>
+        <p:spPr>
+          <a:xfrm>
+            <a:off x="1173018" y="1909154"/>
+            <a:ext cx="4936837" cy="1848199"/>
+          </a:xfrm>
+          <a:prstGeom prst="roundRect">
+            <a:avLst/>
+          </a:prstGeom>
+          <a:solidFill>
+            <a:schemeClr val="accent1">
+              <a:lumMod val="20000"/>
+              <a:lumOff val="80000"/>
+            </a:schemeClr>
+          </a:solidFill>
+        </p:spPr>
+        <p:style>
+          <a:lnRef idx="2">
+            <a:schemeClr val="accent1">
+              <a:shade val="50000"/>
+            </a:schemeClr>
+          </a:lnRef>
+          <a:fillRef idx="1">
+            <a:schemeClr val="accent1"/>
+          </a:fillRef>
+          <a:effectRef idx="0">
+            <a:schemeClr val="accent1"/>
+          </a:effectRef>
+          <a:fontRef idx="minor">
+            <a:schemeClr val="lt1"/>
+          </a:fontRef>
+        </p:style>
+        <p:txBody>
+          <a:bodyPr rtlCol="0" anchor="ctr"/>
+          <a:lstStyle/>
+          <a:p>
+            <a:r>
+              <a:rPr lang="en-US" sz="2400" b="1" dirty="0" smtClean="0">
+                <a:solidFill>
+                  <a:schemeClr val="tx1"/>
+                </a:solidFill>
+                <a:latin typeface="Courier New" panose="02070309020205020404" pitchFamily="49" charset="0"/>
+                <a:cs typeface="Courier New" panose="02070309020205020404" pitchFamily="49" charset="0"/>
+              </a:rPr>
+              <a:t>void foo(</a:t>
+            </a:r>
+            <a:r>
+              <a:rPr lang="en-US" sz="2400" b="1" dirty="0" smtClean="0">
+                <a:solidFill>
+                  <a:schemeClr val="tx1"/>
+                </a:solidFill>
+                <a:latin typeface="Courier New" panose="02070309020205020404" pitchFamily="49" charset="0"/>
+                <a:cs typeface="Courier New" panose="02070309020205020404" pitchFamily="49" charset="0"/>
+              </a:rPr>
+              <a:t>void</a:t>
+            </a:r>
+            <a:r>
+              <a:rPr lang="en-US" sz="2400" b="1" dirty="0" smtClean="0">
+                <a:solidFill>
+                  <a:schemeClr val="tx1"/>
+                </a:solidFill>
+                <a:latin typeface="Courier New" panose="02070309020205020404" pitchFamily="49" charset="0"/>
+                <a:cs typeface="Courier New" panose="02070309020205020404" pitchFamily="49" charset="0"/>
+              </a:rPr>
+              <a:t>) </a:t>
+            </a:r>
+            <a:r>
+              <a:rPr lang="en-US" sz="2400" b="1" dirty="0" smtClean="0">
+                <a:solidFill>
+                  <a:schemeClr val="tx1"/>
+                </a:solidFill>
+                <a:latin typeface="Courier New" panose="02070309020205020404" pitchFamily="49" charset="0"/>
+                <a:cs typeface="Courier New" panose="02070309020205020404" pitchFamily="49" charset="0"/>
+              </a:rPr>
+              <a:t>{</a:t>
+            </a:r>
+          </a:p>
+          <a:p>
+            <a:r>
+              <a:rPr lang="en-US" sz="2400" b="1" dirty="0">
+                <a:solidFill>
+                  <a:schemeClr val="tx1"/>
+                </a:solidFill>
+                <a:latin typeface="Courier New" panose="02070309020205020404" pitchFamily="49" charset="0"/>
+                <a:cs typeface="Courier New" panose="02070309020205020404" pitchFamily="49" charset="0"/>
+              </a:rPr>
+              <a:t> </a:t>
+            </a:r>
+            <a:r>
+              <a:rPr lang="en-US" sz="2400" b="1" dirty="0" smtClean="0">
+                <a:solidFill>
+                  <a:schemeClr val="tx1"/>
+                </a:solidFill>
+                <a:latin typeface="Courier New" panose="02070309020205020404" pitchFamily="49" charset="0"/>
+                <a:cs typeface="Courier New" panose="02070309020205020404" pitchFamily="49" charset="0"/>
+              </a:rPr>
+              <a:t> </a:t>
+            </a:r>
+            <a:r>
+              <a:rPr lang="en-US" sz="2400" b="1" dirty="0" err="1" smtClean="0">
+                <a:solidFill>
+                  <a:schemeClr val="tx1"/>
+                </a:solidFill>
+                <a:latin typeface="Courier New" panose="02070309020205020404" pitchFamily="49" charset="0"/>
+                <a:cs typeface="Courier New" panose="02070309020205020404" pitchFamily="49" charset="0"/>
+              </a:rPr>
+              <a:t>int</a:t>
+            </a:r>
+            <a:r>
+              <a:rPr lang="en-US" sz="2400" b="1" dirty="0" smtClean="0">
+                <a:solidFill>
+                  <a:schemeClr val="tx1"/>
+                </a:solidFill>
+                <a:latin typeface="Courier New" panose="02070309020205020404" pitchFamily="49" charset="0"/>
+                <a:cs typeface="Courier New" panose="02070309020205020404" pitchFamily="49" charset="0"/>
+              </a:rPr>
+              <a:t> </a:t>
+            </a:r>
+            <a:r>
+              <a:rPr lang="en-US" sz="2400" b="1" dirty="0" err="1" smtClean="0">
+                <a:solidFill>
+                  <a:schemeClr val="tx1"/>
+                </a:solidFill>
+                <a:latin typeface="Courier New" panose="02070309020205020404" pitchFamily="49" charset="0"/>
+                <a:cs typeface="Courier New" panose="02070309020205020404" pitchFamily="49" charset="0"/>
+              </a:rPr>
+              <a:t>arr</a:t>
+            </a:r>
+            <a:r>
+              <a:rPr lang="en-US" sz="2400" b="1" dirty="0" smtClean="0">
+                <a:solidFill>
+                  <a:schemeClr val="tx1"/>
+                </a:solidFill>
+                <a:latin typeface="Courier New" panose="02070309020205020404" pitchFamily="49" charset="0"/>
+                <a:cs typeface="Courier New" panose="02070309020205020404" pitchFamily="49" charset="0"/>
+              </a:rPr>
+              <a:t> = new </a:t>
+            </a:r>
+            <a:r>
+              <a:rPr lang="en-US" sz="2400" b="1" dirty="0" err="1" smtClean="0">
+                <a:solidFill>
+                  <a:schemeClr val="tx1"/>
+                </a:solidFill>
+                <a:latin typeface="Courier New" panose="02070309020205020404" pitchFamily="49" charset="0"/>
+                <a:cs typeface="Courier New" panose="02070309020205020404" pitchFamily="49" charset="0"/>
+              </a:rPr>
+              <a:t>int</a:t>
+            </a:r>
+            <a:r>
+              <a:rPr lang="en-US" sz="2400" b="1" dirty="0" smtClean="0">
+                <a:solidFill>
+                  <a:schemeClr val="tx1"/>
+                </a:solidFill>
+                <a:latin typeface="Courier New" panose="02070309020205020404" pitchFamily="49" charset="0"/>
+                <a:cs typeface="Courier New" panose="02070309020205020404" pitchFamily="49" charset="0"/>
+              </a:rPr>
+              <a:t>[“z”];</a:t>
+            </a:r>
+            <a:endParaRPr lang="en-US" sz="2400" b="1" dirty="0" smtClean="0">
+              <a:solidFill>
+                <a:schemeClr val="tx1"/>
+              </a:solidFill>
+              <a:latin typeface="Courier New" panose="02070309020205020404" pitchFamily="49" charset="0"/>
+              <a:cs typeface="Courier New" panose="02070309020205020404" pitchFamily="49" charset="0"/>
+            </a:endParaRPr>
+          </a:p>
+          <a:p>
+            <a:r>
+              <a:rPr lang="en-US" sz="2400" b="1" dirty="0" smtClean="0">
+                <a:solidFill>
+                  <a:schemeClr val="tx1"/>
+                </a:solidFill>
+                <a:latin typeface="Courier New" panose="02070309020205020404" pitchFamily="49" charset="0"/>
+                <a:cs typeface="Courier New" panose="02070309020205020404" pitchFamily="49" charset="0"/>
+              </a:rPr>
+              <a:t>}</a:t>
+            </a:r>
+            <a:endParaRPr lang="en-US" sz="2400" b="1" dirty="0">
+              <a:solidFill>
+                <a:schemeClr val="tx1"/>
+              </a:solidFill>
+              <a:latin typeface="Courier New" panose="02070309020205020404" pitchFamily="49" charset="0"/>
+              <a:cs typeface="Courier New" panose="02070309020205020404" pitchFamily="49" charset="0"/>
+            </a:endParaRPr>
+          </a:p>
+        </p:txBody>
+      </p:sp>
+      <p:sp>
+        <p:nvSpPr>
+          <p:cNvPr id="5" name="TextBox 4"/>
+          <p:cNvSpPr txBox="1"/>
+          <p:nvPr/>
+        </p:nvSpPr>
+        <p:spPr>
+          <a:xfrm>
+            <a:off x="2246284" y="3956858"/>
+            <a:ext cx="2794924" cy="1015663"/>
+          </a:xfrm>
+          <a:prstGeom prst="rect">
+            <a:avLst/>
+          </a:prstGeom>
+          <a:noFill/>
+        </p:spPr>
+        <p:txBody>
+          <a:bodyPr wrap="square" rtlCol="0">
+            <a:spAutoFit/>
+          </a:bodyPr>
+          <a:lstStyle/>
+          <a:p>
+            <a:pPr algn="ctr"/>
+            <a:r>
+              <a:rPr lang="en-US" sz="6000" b="1" dirty="0" smtClean="0">
+                <a:solidFill>
+                  <a:srgbClr val="C00000"/>
+                </a:solidFill>
+                <a:latin typeface="+mj-lt"/>
+                <a:cs typeface="Courier New" panose="02070309020205020404" pitchFamily="49" charset="0"/>
+              </a:rPr>
+              <a:t>Invalid</a:t>
+            </a:r>
+            <a:endParaRPr lang="en-US" sz="6000" b="1" dirty="0">
+              <a:solidFill>
+                <a:srgbClr val="00B050"/>
+              </a:solidFill>
+              <a:latin typeface="+mj-lt"/>
+              <a:cs typeface="Courier New" panose="02070309020205020404" pitchFamily="49" charset="0"/>
+            </a:endParaRPr>
+          </a:p>
+        </p:txBody>
+      </p:sp>
+      <p:sp>
+        <p:nvSpPr>
+          <p:cNvPr id="7" name="Oval 6"/>
+          <p:cNvSpPr/>
+          <p:nvPr/>
+        </p:nvSpPr>
+        <p:spPr>
+          <a:xfrm>
+            <a:off x="7671033" y="1119445"/>
+            <a:ext cx="1450419" cy="789709"/>
+          </a:xfrm>
+          <a:prstGeom prst="ellipse">
+            <a:avLst/>
+          </a:prstGeom>
+          <a:solidFill>
+            <a:srgbClr val="92D050">
+              <a:alpha val="34000"/>
+            </a:srgbClr>
+          </a:solidFill>
+          <a:ln>
+            <a:solidFill>
+              <a:schemeClr val="tx1"/>
+            </a:solidFill>
+          </a:ln>
+        </p:spPr>
+        <p:style>
+          <a:lnRef idx="2">
+            <a:schemeClr val="accent1">
+              <a:shade val="50000"/>
+            </a:schemeClr>
+          </a:lnRef>
+          <a:fillRef idx="1">
+            <a:schemeClr val="accent1"/>
+          </a:fillRef>
+          <a:effectRef idx="0">
+            <a:schemeClr val="accent1"/>
+          </a:effectRef>
+          <a:fontRef idx="minor">
+            <a:schemeClr val="lt1"/>
+          </a:fontRef>
+        </p:style>
+        <p:txBody>
+          <a:bodyPr rtlCol="0" anchor="ctr"/>
+          <a:lstStyle/>
+          <a:p>
+            <a:pPr algn="ctr"/>
+            <a:r>
+              <a:rPr lang="en-US" sz="1400" dirty="0" err="1" smtClean="0">
+                <a:solidFill>
+                  <a:schemeClr val="tx1"/>
+                </a:solidFill>
+              </a:rPr>
+              <a:t>funcDec</a:t>
+            </a:r>
+            <a:endParaRPr lang="en-US" sz="1400" dirty="0" smtClean="0">
+              <a:solidFill>
+                <a:schemeClr val="tx1"/>
+              </a:solidFill>
+            </a:endParaRPr>
+          </a:p>
+          <a:p>
+            <a:pPr algn="ctr"/>
+            <a:r>
+              <a:rPr lang="en-US" sz="1400" dirty="0" smtClean="0">
+                <a:solidFill>
+                  <a:srgbClr val="C00000"/>
+                </a:solidFill>
+              </a:rPr>
+              <a:t>foo</a:t>
+            </a:r>
+            <a:endParaRPr lang="en-US" sz="1400" dirty="0">
+              <a:solidFill>
+                <a:srgbClr val="C00000"/>
+              </a:solidFill>
+            </a:endParaRPr>
+          </a:p>
+        </p:txBody>
+      </p:sp>
+      <p:cxnSp>
+        <p:nvCxnSpPr>
+          <p:cNvPr id="8" name="Straight Arrow Connector 7"/>
+          <p:cNvCxnSpPr>
+            <a:stCxn id="7" idx="4"/>
+            <a:endCxn id="9" idx="0"/>
+          </p:cNvCxnSpPr>
+          <p:nvPr/>
+        </p:nvCxnSpPr>
+        <p:spPr>
+          <a:xfrm flipH="1">
+            <a:off x="8396242" y="1909154"/>
+            <a:ext cx="1" cy="260466"/>
+          </a:xfrm>
+          <a:prstGeom prst="straightConnector1">
+            <a:avLst/>
+          </a:prstGeom>
+          <a:ln w="19050">
+            <a:solidFill>
+              <a:schemeClr val="tx1"/>
+            </a:solidFill>
+            <a:tailEnd type="triangle"/>
+          </a:ln>
+        </p:spPr>
+        <p:style>
+          <a:lnRef idx="1">
+            <a:schemeClr val="accent1"/>
+          </a:lnRef>
+          <a:fillRef idx="0">
+            <a:schemeClr val="accent1"/>
+          </a:fillRef>
+          <a:effectRef idx="0">
+            <a:schemeClr val="accent1"/>
+          </a:effectRef>
+          <a:fontRef idx="minor">
+            <a:schemeClr val="tx1"/>
+          </a:fontRef>
+        </p:style>
+      </p:cxnSp>
+      <p:sp>
+        <p:nvSpPr>
+          <p:cNvPr id="9" name="Oval 8"/>
+          <p:cNvSpPr/>
+          <p:nvPr/>
+        </p:nvSpPr>
+        <p:spPr>
+          <a:xfrm>
+            <a:off x="7477645" y="2169620"/>
+            <a:ext cx="1837193" cy="610489"/>
+          </a:xfrm>
+          <a:prstGeom prst="ellipse">
+            <a:avLst/>
+          </a:prstGeom>
+          <a:solidFill>
+            <a:srgbClr val="92D050">
+              <a:alpha val="34000"/>
+            </a:srgbClr>
+          </a:solidFill>
+          <a:ln>
+            <a:solidFill>
+              <a:schemeClr val="tx1"/>
+            </a:solidFill>
+          </a:ln>
+        </p:spPr>
+        <p:style>
+          <a:lnRef idx="2">
+            <a:schemeClr val="accent1">
+              <a:shade val="50000"/>
+            </a:schemeClr>
+          </a:lnRef>
+          <a:fillRef idx="1">
+            <a:schemeClr val="accent1"/>
+          </a:fillRef>
+          <a:effectRef idx="0">
+            <a:schemeClr val="accent1"/>
+          </a:effectRef>
+          <a:fontRef idx="minor">
+            <a:schemeClr val="lt1"/>
+          </a:fontRef>
+        </p:style>
+        <p:txBody>
+          <a:bodyPr rtlCol="0" anchor="ctr"/>
+          <a:lstStyle/>
+          <a:p>
+            <a:pPr algn="ctr"/>
+            <a:r>
+              <a:rPr lang="en-US" sz="1400" dirty="0" smtClean="0">
+                <a:solidFill>
+                  <a:schemeClr val="tx1"/>
+                </a:solidFill>
+              </a:rPr>
+              <a:t>statements</a:t>
+            </a:r>
+            <a:endParaRPr lang="en-US" sz="1400" dirty="0">
+              <a:solidFill>
+                <a:srgbClr val="C00000"/>
+              </a:solidFill>
+            </a:endParaRPr>
+          </a:p>
+        </p:txBody>
+      </p:sp>
+      <p:cxnSp>
+        <p:nvCxnSpPr>
+          <p:cNvPr id="13" name="Straight Arrow Connector 12"/>
+          <p:cNvCxnSpPr>
+            <a:stCxn id="15" idx="4"/>
+            <a:endCxn id="14" idx="1"/>
+          </p:cNvCxnSpPr>
+          <p:nvPr/>
+        </p:nvCxnSpPr>
+        <p:spPr>
+          <a:xfrm>
+            <a:off x="8396241" y="3716506"/>
+            <a:ext cx="542130" cy="354692"/>
+          </a:xfrm>
+          <a:prstGeom prst="straightConnector1">
+            <a:avLst/>
+          </a:prstGeom>
+          <a:ln w="19050">
+            <a:solidFill>
+              <a:schemeClr val="tx1"/>
+            </a:solidFill>
+            <a:tailEnd type="triangle"/>
+          </a:ln>
+        </p:spPr>
+        <p:style>
+          <a:lnRef idx="1">
+            <a:schemeClr val="accent1"/>
+          </a:lnRef>
+          <a:fillRef idx="0">
+            <a:schemeClr val="accent1"/>
+          </a:fillRef>
+          <a:effectRef idx="0">
+            <a:schemeClr val="accent1"/>
+          </a:effectRef>
+          <a:fontRef idx="minor">
+            <a:schemeClr val="tx1"/>
+          </a:fontRef>
+        </p:style>
+      </p:cxnSp>
+      <p:sp>
+        <p:nvSpPr>
+          <p:cNvPr id="14" name="Oval 13"/>
+          <p:cNvSpPr/>
+          <p:nvPr/>
+        </p:nvSpPr>
+        <p:spPr>
+          <a:xfrm>
+            <a:off x="8782433" y="3945525"/>
+            <a:ext cx="1064809" cy="858147"/>
+          </a:xfrm>
+          <a:prstGeom prst="ellipse">
+            <a:avLst/>
+          </a:prstGeom>
+          <a:solidFill>
+            <a:srgbClr val="92D050">
+              <a:alpha val="34000"/>
+            </a:srgbClr>
+          </a:solidFill>
+          <a:ln>
+            <a:solidFill>
+              <a:schemeClr val="tx1"/>
+            </a:solidFill>
+          </a:ln>
+        </p:spPr>
+        <p:style>
+          <a:lnRef idx="2">
+            <a:schemeClr val="accent1">
+              <a:shade val="50000"/>
+            </a:schemeClr>
+          </a:lnRef>
+          <a:fillRef idx="1">
+            <a:schemeClr val="accent1"/>
+          </a:fillRef>
+          <a:effectRef idx="0">
+            <a:schemeClr val="accent1"/>
+          </a:effectRef>
+          <a:fontRef idx="minor">
+            <a:schemeClr val="lt1"/>
+          </a:fontRef>
+        </p:style>
+        <p:txBody>
+          <a:bodyPr rtlCol="0" anchor="ctr"/>
+          <a:lstStyle/>
+          <a:p>
+            <a:pPr algn="ctr"/>
+            <a:r>
+              <a:rPr lang="en-US" sz="1400" dirty="0" smtClean="0">
+                <a:solidFill>
+                  <a:schemeClr val="tx1"/>
+                </a:solidFill>
+              </a:rPr>
+              <a:t>New</a:t>
+            </a:r>
+            <a:endParaRPr lang="en-US" sz="1400" dirty="0">
+              <a:solidFill>
+                <a:schemeClr val="tx1"/>
+              </a:solidFill>
+            </a:endParaRPr>
+          </a:p>
+          <a:p>
+            <a:pPr algn="ctr"/>
+            <a:r>
+              <a:rPr lang="en-US" sz="1400" dirty="0" smtClean="0">
+                <a:solidFill>
+                  <a:schemeClr val="tx1"/>
+                </a:solidFill>
+              </a:rPr>
+              <a:t>Array</a:t>
+            </a:r>
+            <a:endParaRPr lang="en-US" sz="1400" dirty="0">
+              <a:solidFill>
+                <a:schemeClr val="tx1"/>
+              </a:solidFill>
+            </a:endParaRPr>
+          </a:p>
+        </p:txBody>
+      </p:sp>
+      <p:sp>
+        <p:nvSpPr>
+          <p:cNvPr id="15" name="Oval 14"/>
+          <p:cNvSpPr/>
+          <p:nvPr/>
+        </p:nvSpPr>
+        <p:spPr>
+          <a:xfrm>
+            <a:off x="7863836" y="3095489"/>
+            <a:ext cx="1064809" cy="621017"/>
+          </a:xfrm>
+          <a:prstGeom prst="ellipse">
+            <a:avLst/>
+          </a:prstGeom>
+          <a:solidFill>
+            <a:srgbClr val="92D050">
+              <a:alpha val="34000"/>
+            </a:srgbClr>
+          </a:solidFill>
+          <a:ln>
+            <a:solidFill>
+              <a:schemeClr val="tx1"/>
+            </a:solidFill>
+          </a:ln>
+        </p:spPr>
+        <p:style>
+          <a:lnRef idx="2">
+            <a:schemeClr val="accent1">
+              <a:shade val="50000"/>
+            </a:schemeClr>
+          </a:lnRef>
+          <a:fillRef idx="1">
+            <a:schemeClr val="accent1"/>
+          </a:fillRef>
+          <a:effectRef idx="0">
+            <a:schemeClr val="accent1"/>
+          </a:effectRef>
+          <a:fontRef idx="minor">
+            <a:schemeClr val="lt1"/>
+          </a:fontRef>
+        </p:style>
+        <p:txBody>
+          <a:bodyPr rtlCol="0" anchor="ctr"/>
+          <a:lstStyle/>
+          <a:p>
+            <a:pPr algn="ctr"/>
+            <a:r>
+              <a:rPr lang="en-US" sz="1400" dirty="0" smtClean="0">
+                <a:solidFill>
+                  <a:schemeClr val="tx1"/>
+                </a:solidFill>
+              </a:rPr>
+              <a:t>Assign</a:t>
+            </a:r>
+            <a:endParaRPr lang="en-US" sz="1400" dirty="0" smtClean="0">
+              <a:solidFill>
+                <a:schemeClr val="tx1"/>
+              </a:solidFill>
+            </a:endParaRPr>
+          </a:p>
+        </p:txBody>
+      </p:sp>
+      <p:cxnSp>
+        <p:nvCxnSpPr>
+          <p:cNvPr id="17" name="Straight Arrow Connector 16"/>
+          <p:cNvCxnSpPr>
+            <a:stCxn id="9" idx="4"/>
+            <a:endCxn id="15" idx="0"/>
+          </p:cNvCxnSpPr>
+          <p:nvPr/>
+        </p:nvCxnSpPr>
+        <p:spPr>
+          <a:xfrm flipH="1">
+            <a:off x="8396241" y="2780109"/>
+            <a:ext cx="1" cy="315380"/>
+          </a:xfrm>
+          <a:prstGeom prst="straightConnector1">
+            <a:avLst/>
+          </a:prstGeom>
+          <a:ln w="19050">
+            <a:solidFill>
+              <a:schemeClr val="tx1"/>
+            </a:solidFill>
+            <a:tailEnd type="triangle"/>
+          </a:ln>
+        </p:spPr>
+        <p:style>
+          <a:lnRef idx="1">
+            <a:schemeClr val="accent1"/>
+          </a:lnRef>
+          <a:fillRef idx="0">
+            <a:schemeClr val="accent1"/>
+          </a:fillRef>
+          <a:effectRef idx="0">
+            <a:schemeClr val="accent1"/>
+          </a:effectRef>
+          <a:fontRef idx="minor">
+            <a:schemeClr val="tx1"/>
+          </a:fontRef>
+        </p:style>
+      </p:cxnSp>
+      <p:sp>
+        <p:nvSpPr>
+          <p:cNvPr id="21" name="Oval 20"/>
+          <p:cNvSpPr/>
+          <p:nvPr/>
+        </p:nvSpPr>
+        <p:spPr>
+          <a:xfrm>
+            <a:off x="7961775" y="4862550"/>
+            <a:ext cx="1064809" cy="858147"/>
+          </a:xfrm>
+          <a:prstGeom prst="ellipse">
+            <a:avLst/>
+          </a:prstGeom>
+          <a:solidFill>
+            <a:srgbClr val="92D050">
+              <a:alpha val="34000"/>
+            </a:srgbClr>
+          </a:solidFill>
+          <a:ln>
+            <a:solidFill>
+              <a:schemeClr val="tx1"/>
+            </a:solidFill>
+          </a:ln>
+        </p:spPr>
+        <p:style>
+          <a:lnRef idx="2">
+            <a:schemeClr val="accent1">
+              <a:shade val="50000"/>
+            </a:schemeClr>
+          </a:lnRef>
+          <a:fillRef idx="1">
+            <a:schemeClr val="accent1"/>
+          </a:fillRef>
+          <a:effectRef idx="0">
+            <a:schemeClr val="accent1"/>
+          </a:effectRef>
+          <a:fontRef idx="minor">
+            <a:schemeClr val="lt1"/>
+          </a:fontRef>
+        </p:style>
+        <p:txBody>
+          <a:bodyPr rtlCol="0" anchor="ctr"/>
+          <a:lstStyle/>
+          <a:p>
+            <a:pPr algn="ctr"/>
+            <a:r>
+              <a:rPr lang="en-US" sz="1400" dirty="0" smtClean="0">
+                <a:solidFill>
+                  <a:schemeClr val="tx1"/>
+                </a:solidFill>
+              </a:rPr>
+              <a:t>ID</a:t>
+            </a:r>
+            <a:endParaRPr lang="en-US" sz="1400" dirty="0">
+              <a:solidFill>
+                <a:schemeClr val="tx1"/>
+              </a:solidFill>
+            </a:endParaRPr>
+          </a:p>
+          <a:p>
+            <a:pPr algn="ctr"/>
+            <a:r>
+              <a:rPr lang="en-US" sz="1400" dirty="0" err="1" smtClean="0">
+                <a:solidFill>
+                  <a:srgbClr val="C00000"/>
+                </a:solidFill>
+              </a:rPr>
+              <a:t>int</a:t>
+            </a:r>
+            <a:endParaRPr lang="en-US" sz="1400" dirty="0">
+              <a:solidFill>
+                <a:srgbClr val="C00000"/>
+              </a:solidFill>
+            </a:endParaRPr>
+          </a:p>
+        </p:txBody>
+      </p:sp>
+      <p:sp>
+        <p:nvSpPr>
+          <p:cNvPr id="36" name="Oval 35"/>
+          <p:cNvSpPr/>
+          <p:nvPr/>
+        </p:nvSpPr>
+        <p:spPr>
+          <a:xfrm>
+            <a:off x="6954965" y="3945525"/>
+            <a:ext cx="1064809" cy="858147"/>
+          </a:xfrm>
+          <a:prstGeom prst="ellipse">
+            <a:avLst/>
+          </a:prstGeom>
+          <a:solidFill>
+            <a:srgbClr val="92D050">
+              <a:alpha val="34000"/>
+            </a:srgbClr>
+          </a:solidFill>
+          <a:ln>
+            <a:solidFill>
+              <a:schemeClr val="tx1"/>
+            </a:solidFill>
+          </a:ln>
+        </p:spPr>
+        <p:style>
+          <a:lnRef idx="2">
+            <a:schemeClr val="accent1">
+              <a:shade val="50000"/>
+            </a:schemeClr>
+          </a:lnRef>
+          <a:fillRef idx="1">
+            <a:schemeClr val="accent1"/>
+          </a:fillRef>
+          <a:effectRef idx="0">
+            <a:schemeClr val="accent1"/>
+          </a:effectRef>
+          <a:fontRef idx="minor">
+            <a:schemeClr val="lt1"/>
+          </a:fontRef>
+        </p:style>
+        <p:txBody>
+          <a:bodyPr rtlCol="0" anchor="ctr"/>
+          <a:lstStyle/>
+          <a:p>
+            <a:pPr algn="ctr"/>
+            <a:r>
+              <a:rPr lang="en-US" sz="1400" dirty="0">
+                <a:solidFill>
+                  <a:schemeClr val="tx1"/>
+                </a:solidFill>
+              </a:rPr>
+              <a:t>Simple</a:t>
+            </a:r>
+          </a:p>
+          <a:p>
+            <a:pPr algn="ctr"/>
+            <a:r>
+              <a:rPr lang="en-US" sz="1400" dirty="0" err="1">
+                <a:solidFill>
+                  <a:schemeClr val="tx1"/>
+                </a:solidFill>
+              </a:rPr>
+              <a:t>Var</a:t>
+            </a:r>
+            <a:endParaRPr lang="en-US" sz="1400" dirty="0">
+              <a:solidFill>
+                <a:schemeClr val="tx1"/>
+              </a:solidFill>
+            </a:endParaRPr>
+          </a:p>
+          <a:p>
+            <a:pPr algn="ctr"/>
+            <a:r>
+              <a:rPr lang="en-US" sz="1400" dirty="0" err="1" smtClean="0">
+                <a:solidFill>
+                  <a:srgbClr val="C00000"/>
+                </a:solidFill>
+              </a:rPr>
+              <a:t>arr</a:t>
+            </a:r>
+            <a:endParaRPr lang="en-US" sz="1400" dirty="0">
+              <a:solidFill>
+                <a:srgbClr val="C00000"/>
+              </a:solidFill>
+            </a:endParaRPr>
+          </a:p>
+        </p:txBody>
+      </p:sp>
+      <p:sp>
+        <p:nvSpPr>
+          <p:cNvPr id="38" name="Oval 37"/>
+          <p:cNvSpPr/>
+          <p:nvPr/>
+        </p:nvSpPr>
+        <p:spPr>
+          <a:xfrm>
+            <a:off x="9693572" y="4862550"/>
+            <a:ext cx="1064809" cy="858147"/>
+          </a:xfrm>
+          <a:prstGeom prst="ellipse">
+            <a:avLst/>
+          </a:prstGeom>
+          <a:solidFill>
+            <a:srgbClr val="92D050">
+              <a:alpha val="34000"/>
+            </a:srgbClr>
+          </a:solidFill>
+          <a:ln>
+            <a:solidFill>
+              <a:schemeClr val="tx1"/>
+            </a:solidFill>
+          </a:ln>
+        </p:spPr>
+        <p:style>
+          <a:lnRef idx="2">
+            <a:schemeClr val="accent1">
+              <a:shade val="50000"/>
+            </a:schemeClr>
+          </a:lnRef>
+          <a:fillRef idx="1">
+            <a:schemeClr val="accent1"/>
+          </a:fillRef>
+          <a:effectRef idx="0">
+            <a:schemeClr val="accent1"/>
+          </a:effectRef>
+          <a:fontRef idx="minor">
+            <a:schemeClr val="lt1"/>
+          </a:fontRef>
+        </p:style>
+        <p:txBody>
+          <a:bodyPr rtlCol="0" anchor="ctr"/>
+          <a:lstStyle/>
+          <a:p>
+            <a:pPr algn="ctr"/>
+            <a:r>
+              <a:rPr lang="en-US" sz="1400" dirty="0" smtClean="0">
+                <a:solidFill>
+                  <a:schemeClr val="tx1"/>
+                </a:solidFill>
+              </a:rPr>
+              <a:t>String</a:t>
+            </a:r>
+            <a:endParaRPr lang="en-US" sz="1400" dirty="0">
+              <a:solidFill>
+                <a:schemeClr val="tx1"/>
+              </a:solidFill>
+            </a:endParaRPr>
+          </a:p>
+          <a:p>
+            <a:pPr algn="ctr"/>
+            <a:r>
+              <a:rPr lang="en-US" sz="1400" dirty="0" smtClean="0">
+                <a:solidFill>
+                  <a:srgbClr val="C00000"/>
+                </a:solidFill>
+              </a:rPr>
+              <a:t>z</a:t>
+            </a:r>
+            <a:endParaRPr lang="en-US" sz="1400" dirty="0">
+              <a:solidFill>
+                <a:srgbClr val="C00000"/>
+              </a:solidFill>
+            </a:endParaRPr>
+          </a:p>
+        </p:txBody>
+      </p:sp>
+      <p:cxnSp>
+        <p:nvCxnSpPr>
+          <p:cNvPr id="40" name="Straight Arrow Connector 39"/>
+          <p:cNvCxnSpPr>
+            <a:stCxn id="15" idx="4"/>
+            <a:endCxn id="36" idx="7"/>
+          </p:cNvCxnSpPr>
+          <p:nvPr/>
+        </p:nvCxnSpPr>
+        <p:spPr>
+          <a:xfrm flipH="1">
+            <a:off x="7863836" y="3716506"/>
+            <a:ext cx="532405" cy="354692"/>
+          </a:xfrm>
+          <a:prstGeom prst="straightConnector1">
+            <a:avLst/>
+          </a:prstGeom>
+          <a:ln w="19050">
+            <a:solidFill>
+              <a:schemeClr val="tx1"/>
+            </a:solidFill>
+            <a:tailEnd type="triangle"/>
+          </a:ln>
+        </p:spPr>
+        <p:style>
+          <a:lnRef idx="1">
+            <a:schemeClr val="accent1"/>
+          </a:lnRef>
+          <a:fillRef idx="0">
+            <a:schemeClr val="accent1"/>
+          </a:fillRef>
+          <a:effectRef idx="0">
+            <a:schemeClr val="accent1"/>
+          </a:effectRef>
+          <a:fontRef idx="minor">
+            <a:schemeClr val="tx1"/>
+          </a:fontRef>
+        </p:style>
+      </p:cxnSp>
+      <p:cxnSp>
+        <p:nvCxnSpPr>
+          <p:cNvPr id="43" name="Straight Arrow Connector 42"/>
+          <p:cNvCxnSpPr>
+            <a:stCxn id="14" idx="3"/>
+            <a:endCxn id="21" idx="0"/>
+          </p:cNvCxnSpPr>
+          <p:nvPr/>
+        </p:nvCxnSpPr>
+        <p:spPr>
+          <a:xfrm flipH="1">
+            <a:off x="8494180" y="4677999"/>
+            <a:ext cx="444191" cy="184551"/>
+          </a:xfrm>
+          <a:prstGeom prst="straightConnector1">
+            <a:avLst/>
+          </a:prstGeom>
+          <a:ln w="19050">
+            <a:solidFill>
+              <a:schemeClr val="tx1"/>
+            </a:solidFill>
+            <a:tailEnd type="triangle"/>
+          </a:ln>
+        </p:spPr>
+        <p:style>
+          <a:lnRef idx="1">
+            <a:schemeClr val="accent1"/>
+          </a:lnRef>
+          <a:fillRef idx="0">
+            <a:schemeClr val="accent1"/>
+          </a:fillRef>
+          <a:effectRef idx="0">
+            <a:schemeClr val="accent1"/>
+          </a:effectRef>
+          <a:fontRef idx="minor">
+            <a:schemeClr val="tx1"/>
+          </a:fontRef>
+        </p:style>
+      </p:cxnSp>
+      <p:cxnSp>
+        <p:nvCxnSpPr>
+          <p:cNvPr id="46" name="Straight Arrow Connector 45"/>
+          <p:cNvCxnSpPr>
+            <a:stCxn id="14" idx="5"/>
+            <a:endCxn id="38" idx="0"/>
+          </p:cNvCxnSpPr>
+          <p:nvPr/>
+        </p:nvCxnSpPr>
+        <p:spPr>
+          <a:xfrm>
+            <a:off x="9691304" y="4677999"/>
+            <a:ext cx="534673" cy="184551"/>
+          </a:xfrm>
+          <a:prstGeom prst="straightConnector1">
+            <a:avLst/>
+          </a:prstGeom>
+          <a:ln w="19050">
+            <a:solidFill>
+              <a:schemeClr val="tx1"/>
+            </a:solidFill>
+            <a:tailEnd type="triangle"/>
+          </a:ln>
+        </p:spPr>
+        <p:style>
+          <a:lnRef idx="1">
+            <a:schemeClr val="accent1"/>
+          </a:lnRef>
+          <a:fillRef idx="0">
+            <a:schemeClr val="accent1"/>
+          </a:fillRef>
+          <a:effectRef idx="0">
+            <a:schemeClr val="accent1"/>
+          </a:effectRef>
+          <a:fontRef idx="minor">
+            <a:schemeClr val="tx1"/>
+          </a:fontRef>
+        </p:style>
+      </p:cxnSp>
     </p:spTree>
     <p:extLst>
       <p:ext uri="{BB962C8B-B14F-4D97-AF65-F5344CB8AC3E}">
@@ -24470,7 +24847,83 @@
               </a:rPr>
               <a:t> string a = “A”;</a:t>
             </a:r>
-            <a:endParaRPr lang="en-US" sz="2400" b="1" dirty="0" smtClean="0">
+          </a:p>
+          <a:p>
+            <a:r>
+              <a:rPr lang="en-US" sz="2400" b="1" dirty="0" smtClean="0">
+                <a:solidFill>
+                  <a:schemeClr val="tx1"/>
+                </a:solidFill>
+                <a:latin typeface="Courier New" panose="02070309020205020404" pitchFamily="49" charset="0"/>
+                <a:cs typeface="Courier New" panose="02070309020205020404" pitchFamily="49" charset="0"/>
+              </a:rPr>
+              <a:t>  if (7) {</a:t>
+            </a:r>
+          </a:p>
+          <a:p>
+            <a:r>
+              <a:rPr lang="en-US" sz="2400" b="1" dirty="0" smtClean="0">
+                <a:solidFill>
+                  <a:schemeClr val="tx1"/>
+                </a:solidFill>
+                <a:latin typeface="Courier New" panose="02070309020205020404" pitchFamily="49" charset="0"/>
+                <a:cs typeface="Courier New" panose="02070309020205020404" pitchFamily="49" charset="0"/>
+              </a:rPr>
+              <a:t>    </a:t>
+            </a:r>
+            <a:r>
+              <a:rPr lang="en-US" sz="2400" b="1" dirty="0" err="1" smtClean="0">
+                <a:solidFill>
+                  <a:schemeClr val="tx1"/>
+                </a:solidFill>
+                <a:latin typeface="Courier New" panose="02070309020205020404" pitchFamily="49" charset="0"/>
+                <a:cs typeface="Courier New" panose="02070309020205020404" pitchFamily="49" charset="0"/>
+              </a:rPr>
+              <a:t>int</a:t>
+            </a:r>
+            <a:r>
+              <a:rPr lang="en-US" sz="2400" b="1" dirty="0" smtClean="0">
+                <a:solidFill>
+                  <a:schemeClr val="tx1"/>
+                </a:solidFill>
+                <a:latin typeface="Courier New" panose="02070309020205020404" pitchFamily="49" charset="0"/>
+                <a:cs typeface="Courier New" panose="02070309020205020404" pitchFamily="49" charset="0"/>
+              </a:rPr>
+              <a:t> a = 1;</a:t>
+            </a:r>
+          </a:p>
+          <a:p>
+            <a:r>
+              <a:rPr lang="en-US" sz="2400" b="1" dirty="0" smtClean="0">
+                <a:solidFill>
+                  <a:schemeClr val="tx1"/>
+                </a:solidFill>
+                <a:latin typeface="Courier New" panose="02070309020205020404" pitchFamily="49" charset="0"/>
+                <a:cs typeface="Courier New" panose="02070309020205020404" pitchFamily="49" charset="0"/>
+              </a:rPr>
+              <a:t>    </a:t>
+            </a:r>
+            <a:r>
+              <a:rPr lang="en-US" sz="2400" b="1" dirty="0" err="1" smtClean="0">
+                <a:solidFill>
+                  <a:schemeClr val="tx1"/>
+                </a:solidFill>
+                <a:latin typeface="Courier New" panose="02070309020205020404" pitchFamily="49" charset="0"/>
+                <a:cs typeface="Courier New" panose="02070309020205020404" pitchFamily="49" charset="0"/>
+              </a:rPr>
+              <a:t>int</a:t>
+            </a:r>
+            <a:r>
+              <a:rPr lang="en-US" sz="2400" b="1" dirty="0" smtClean="0">
+                <a:solidFill>
+                  <a:schemeClr val="tx1"/>
+                </a:solidFill>
+                <a:latin typeface="Courier New" panose="02070309020205020404" pitchFamily="49" charset="0"/>
+                <a:cs typeface="Courier New" panose="02070309020205020404" pitchFamily="49" charset="0"/>
+              </a:rPr>
+              <a:t> b = a + 1;</a:t>
+            </a:r>
+            <a:endParaRPr lang="en-US" sz="2400" b="1" dirty="0">
               <a:solidFill>
                 <a:schemeClr val="tx1"/>
               </a:solidFill>
@@ -24487,98 +24940,8 @@
                 <a:latin typeface="Courier New" panose="02070309020205020404" pitchFamily="49" charset="0"/>
                 <a:cs typeface="Courier New" panose="02070309020205020404" pitchFamily="49" charset="0"/>
               </a:rPr>
-              <a:t>  if (7) {</a:t>
-            </a:r>
-          </a:p>
-          <a:p>
-            <a:r>
-              <a:rPr lang="en-US" sz="2400" b="1" dirty="0" smtClean="0">
-                <a:solidFill>
-                  <a:schemeClr val="tx1"/>
-                </a:solidFill>
-                <a:latin typeface="Courier New" panose="02070309020205020404" pitchFamily="49" charset="0"/>
-                <a:cs typeface="Courier New" panose="02070309020205020404" pitchFamily="49" charset="0"/>
-              </a:rPr>
-              <a:t>    </a:t>
-            </a:r>
-            <a:r>
-              <a:rPr lang="en-US" sz="2400" b="1" dirty="0" err="1" smtClean="0">
-                <a:solidFill>
-                  <a:schemeClr val="tx1"/>
-                </a:solidFill>
-                <a:latin typeface="Courier New" panose="02070309020205020404" pitchFamily="49" charset="0"/>
-                <a:cs typeface="Courier New" panose="02070309020205020404" pitchFamily="49" charset="0"/>
-              </a:rPr>
-              <a:t>int</a:t>
-            </a:r>
-            <a:r>
-              <a:rPr lang="en-US" sz="2400" b="1" dirty="0" smtClean="0">
-                <a:solidFill>
-                  <a:schemeClr val="tx1"/>
-                </a:solidFill>
-                <a:latin typeface="Courier New" panose="02070309020205020404" pitchFamily="49" charset="0"/>
-                <a:cs typeface="Courier New" panose="02070309020205020404" pitchFamily="49" charset="0"/>
-              </a:rPr>
-              <a:t> a = 1;</a:t>
-            </a:r>
-          </a:p>
-          <a:p>
-            <a:r>
-              <a:rPr lang="en-US" sz="2400" b="1" dirty="0" smtClean="0">
-                <a:solidFill>
-                  <a:schemeClr val="tx1"/>
-                </a:solidFill>
-                <a:latin typeface="Courier New" panose="02070309020205020404" pitchFamily="49" charset="0"/>
-                <a:cs typeface="Courier New" panose="02070309020205020404" pitchFamily="49" charset="0"/>
-              </a:rPr>
-              <a:t>    </a:t>
-            </a:r>
-            <a:r>
-              <a:rPr lang="en-US" sz="2400" b="1" dirty="0" err="1" smtClean="0">
-                <a:solidFill>
-                  <a:schemeClr val="tx1"/>
-                </a:solidFill>
-                <a:latin typeface="Courier New" panose="02070309020205020404" pitchFamily="49" charset="0"/>
-                <a:cs typeface="Courier New" panose="02070309020205020404" pitchFamily="49" charset="0"/>
-              </a:rPr>
-              <a:t>int</a:t>
-            </a:r>
-            <a:r>
-              <a:rPr lang="en-US" sz="2400" b="1" dirty="0" smtClean="0">
-                <a:solidFill>
-                  <a:schemeClr val="tx1"/>
-                </a:solidFill>
-                <a:latin typeface="Courier New" panose="02070309020205020404" pitchFamily="49" charset="0"/>
-                <a:cs typeface="Courier New" panose="02070309020205020404" pitchFamily="49" charset="0"/>
-              </a:rPr>
-              <a:t> b = a + 1;</a:t>
-            </a:r>
-            <a:endParaRPr lang="en-US" sz="2400" b="1" dirty="0">
-              <a:solidFill>
-                <a:schemeClr val="tx1"/>
-              </a:solidFill>
-              <a:latin typeface="Courier New" panose="02070309020205020404" pitchFamily="49" charset="0"/>
-              <a:cs typeface="Courier New" panose="02070309020205020404" pitchFamily="49" charset="0"/>
-            </a:endParaRPr>
-          </a:p>
-          <a:p>
-            <a:r>
-              <a:rPr lang="en-US" sz="2400" b="1" dirty="0" smtClean="0">
-                <a:solidFill>
-                  <a:schemeClr val="tx1"/>
-                </a:solidFill>
-                <a:latin typeface="Courier New" panose="02070309020205020404" pitchFamily="49" charset="0"/>
-                <a:cs typeface="Courier New" panose="02070309020205020404" pitchFamily="49" charset="0"/>
-              </a:rPr>
               <a:t>  }</a:t>
             </a:r>
-            <a:endParaRPr lang="en-US" sz="2400" b="1" dirty="0" smtClean="0">
-              <a:solidFill>
-                <a:schemeClr val="tx1"/>
-              </a:solidFill>
-              <a:latin typeface="Courier New" panose="02070309020205020404" pitchFamily="49" charset="0"/>
-              <a:cs typeface="Courier New" panose="02070309020205020404" pitchFamily="49" charset="0"/>
-            </a:endParaRPr>
           </a:p>
           <a:p>
             <a:r>
@@ -25744,11 +26107,6 @@
               </a:rPr>
               <a:t>7</a:t>
             </a:r>
-            <a:endParaRPr lang="en-US" sz="1400" dirty="0">
-              <a:solidFill>
-                <a:srgbClr val="C00000"/>
-              </a:solidFill>
-            </a:endParaRPr>
           </a:p>
         </p:txBody>
       </p:sp>
@@ -26234,11 +26592,6 @@
               </a:rPr>
               <a:t>A</a:t>
             </a:r>
-            <a:endParaRPr lang="en-US" sz="1400" dirty="0">
-              <a:solidFill>
-                <a:srgbClr val="C00000"/>
-              </a:solidFill>
-            </a:endParaRPr>
           </a:p>
         </p:txBody>
       </p:sp>
@@ -26508,7 +26861,63 @@
               </a:rPr>
               <a:t> a = 1;</a:t>
             </a:r>
-            <a:endParaRPr lang="en-US" sz="2400" b="1" dirty="0" smtClean="0">
+          </a:p>
+          <a:p>
+            <a:r>
+              <a:rPr lang="en-US" sz="2400" b="1" dirty="0" smtClean="0">
+                <a:solidFill>
+                  <a:schemeClr val="tx1"/>
+                </a:solidFill>
+                <a:latin typeface="Courier New" panose="02070309020205020404" pitchFamily="49" charset="0"/>
+                <a:cs typeface="Courier New" panose="02070309020205020404" pitchFamily="49" charset="0"/>
+              </a:rPr>
+              <a:t>  if (7) {</a:t>
+            </a:r>
+          </a:p>
+          <a:p>
+            <a:r>
+              <a:rPr lang="en-US" sz="2400" b="1" dirty="0" smtClean="0">
+                <a:solidFill>
+                  <a:schemeClr val="tx1"/>
+                </a:solidFill>
+                <a:latin typeface="Courier New" panose="02070309020205020404" pitchFamily="49" charset="0"/>
+                <a:cs typeface="Courier New" panose="02070309020205020404" pitchFamily="49" charset="0"/>
+              </a:rPr>
+              <a:t>    string a = “A”;</a:t>
+            </a:r>
+          </a:p>
+          <a:p>
+            <a:r>
+              <a:rPr lang="en-US" sz="2400" b="1" dirty="0" smtClean="0">
+                <a:solidFill>
+                  <a:schemeClr val="tx1"/>
+                </a:solidFill>
+                <a:latin typeface="Courier New" panose="02070309020205020404" pitchFamily="49" charset="0"/>
+                <a:cs typeface="Courier New" panose="02070309020205020404" pitchFamily="49" charset="0"/>
+              </a:rPr>
+              <a:t>    </a:t>
+            </a:r>
+            <a:r>
+              <a:rPr lang="en-US" sz="2400" b="1" dirty="0" err="1" smtClean="0">
+                <a:solidFill>
+                  <a:schemeClr val="tx1"/>
+                </a:solidFill>
+                <a:latin typeface="Courier New" panose="02070309020205020404" pitchFamily="49" charset="0"/>
+                <a:cs typeface="Courier New" panose="02070309020205020404" pitchFamily="49" charset="0"/>
+              </a:rPr>
+              <a:t>int</a:t>
+            </a:r>
+            <a:r>
+              <a:rPr lang="en-US" sz="2400" b="1" dirty="0" smtClean="0">
+                <a:solidFill>
+                  <a:schemeClr val="tx1"/>
+                </a:solidFill>
+                <a:latin typeface="Courier New" panose="02070309020205020404" pitchFamily="49" charset="0"/>
+                <a:cs typeface="Courier New" panose="02070309020205020404" pitchFamily="49" charset="0"/>
+              </a:rPr>
+              <a:t> b = a + 1;</a:t>
+            </a:r>
+            <a:endParaRPr lang="en-US" sz="2400" b="1" dirty="0">
               <a:solidFill>
                 <a:schemeClr val="tx1"/>
               </a:solidFill>
@@ -26525,78 +26934,8 @@
                 <a:latin typeface="Courier New" panose="02070309020205020404" pitchFamily="49" charset="0"/>
                 <a:cs typeface="Courier New" panose="02070309020205020404" pitchFamily="49" charset="0"/>
               </a:rPr>
-              <a:t>  if (7) {</a:t>
-            </a:r>
-          </a:p>
-          <a:p>
-            <a:r>
-              <a:rPr lang="en-US" sz="2400" b="1" dirty="0" smtClean="0">
-                <a:solidFill>
-                  <a:schemeClr val="tx1"/>
-                </a:solidFill>
-                <a:latin typeface="Courier New" panose="02070309020205020404" pitchFamily="49" charset="0"/>
-                <a:cs typeface="Courier New" panose="02070309020205020404" pitchFamily="49" charset="0"/>
-              </a:rPr>
-              <a:t>    string a = “A”;</a:t>
-            </a:r>
-          </a:p>
-          <a:p>
-            <a:r>
-              <a:rPr lang="en-US" sz="2400" b="1" dirty="0" smtClean="0">
-                <a:solidFill>
-                  <a:schemeClr val="tx1"/>
-                </a:solidFill>
-                <a:latin typeface="Courier New" panose="02070309020205020404" pitchFamily="49" charset="0"/>
-                <a:cs typeface="Courier New" panose="02070309020205020404" pitchFamily="49" charset="0"/>
-              </a:rPr>
-              <a:t>    </a:t>
-            </a:r>
-            <a:r>
-              <a:rPr lang="en-US" sz="2400" b="1" dirty="0" err="1" smtClean="0">
-                <a:solidFill>
-                  <a:schemeClr val="tx1"/>
-                </a:solidFill>
-                <a:latin typeface="Courier New" panose="02070309020205020404" pitchFamily="49" charset="0"/>
-                <a:cs typeface="Courier New" panose="02070309020205020404" pitchFamily="49" charset="0"/>
-              </a:rPr>
-              <a:t>int</a:t>
-            </a:r>
-            <a:r>
-              <a:rPr lang="en-US" sz="2400" b="1" dirty="0" smtClean="0">
-                <a:solidFill>
-                  <a:schemeClr val="tx1"/>
-                </a:solidFill>
-                <a:latin typeface="Courier New" panose="02070309020205020404" pitchFamily="49" charset="0"/>
-                <a:cs typeface="Courier New" panose="02070309020205020404" pitchFamily="49" charset="0"/>
-              </a:rPr>
-              <a:t> b = a + 1;</a:t>
-            </a:r>
-            <a:endParaRPr lang="en-US" sz="2400" b="1" dirty="0">
-              <a:solidFill>
-                <a:schemeClr val="tx1"/>
-              </a:solidFill>
-              <a:latin typeface="Courier New" panose="02070309020205020404" pitchFamily="49" charset="0"/>
-              <a:cs typeface="Courier New" panose="02070309020205020404" pitchFamily="49" charset="0"/>
-            </a:endParaRPr>
-          </a:p>
-          <a:p>
-            <a:r>
-              <a:rPr lang="en-US" sz="2400" b="1" dirty="0" smtClean="0">
-                <a:solidFill>
-                  <a:schemeClr val="tx1"/>
-                </a:solidFill>
-                <a:latin typeface="Courier New" panose="02070309020205020404" pitchFamily="49" charset="0"/>
-                <a:cs typeface="Courier New" panose="02070309020205020404" pitchFamily="49" charset="0"/>
-              </a:rPr>
               <a:t>  }</a:t>
             </a:r>
-            <a:endParaRPr lang="en-US" sz="2400" b="1" dirty="0" smtClean="0">
-              <a:solidFill>
-                <a:schemeClr val="tx1"/>
-              </a:solidFill>
-              <a:latin typeface="Courier New" panose="02070309020205020404" pitchFamily="49" charset="0"/>
-              <a:cs typeface="Courier New" panose="02070309020205020404" pitchFamily="49" charset="0"/>
-            </a:endParaRPr>
           </a:p>
           <a:p>
             <a:r>
@@ -28658,8 +28997,10 @@
                 <a:latin typeface="Courier New" panose="02070309020205020404" pitchFamily="49" charset="0"/>
                 <a:cs typeface="Courier New" panose="02070309020205020404" pitchFamily="49" charset="0"/>
               </a:rPr>
-              <a:t>main(void</a:t>
-            </a:r>
+              <a:t>main(void) {</a:t>
+            </a:r>
+          </a:p>
+          <a:p>
             <a:r>
               <a:rPr lang="en-US" sz="2400" b="1" dirty="0" smtClean="0">
                 <a:solidFill>
@@ -28668,57 +29009,28 @@
                 <a:latin typeface="Courier New" panose="02070309020205020404" pitchFamily="49" charset="0"/>
                 <a:cs typeface="Courier New" panose="02070309020205020404" pitchFamily="49" charset="0"/>
               </a:rPr>
-              <a:t>) {</a:t>
-            </a:r>
-          </a:p>
-          <a:p>
-            <a:r>
-              <a:rPr lang="en-US" sz="2400" b="1" dirty="0" smtClean="0">
+              <a:t>  </a:t>
+            </a:r>
+            <a:r>
+              <a:rPr lang="en-US" sz="2400" b="1" dirty="0" err="1" smtClean="0">
                 <a:solidFill>
                   <a:schemeClr val="tx1"/>
                 </a:solidFill>
                 <a:latin typeface="Courier New" panose="02070309020205020404" pitchFamily="49" charset="0"/>
                 <a:cs typeface="Courier New" panose="02070309020205020404" pitchFamily="49" charset="0"/>
               </a:rPr>
-              <a:t>  </a:t>
-            </a:r>
-            <a:r>
-              <a:rPr lang="en-US" sz="2400" b="1" dirty="0" err="1" smtClean="0">
+              <a:t>int</a:t>
+            </a:r>
+            <a:r>
+              <a:rPr lang="en-US" sz="2400" b="1" dirty="0" smtClean="0">
                 <a:solidFill>
                   <a:schemeClr val="tx1"/>
                 </a:solidFill>
                 <a:latin typeface="Courier New" panose="02070309020205020404" pitchFamily="49" charset="0"/>
                 <a:cs typeface="Courier New" panose="02070309020205020404" pitchFamily="49" charset="0"/>
               </a:rPr>
-              <a:t>int</a:t>
-            </a:r>
-            <a:r>
-              <a:rPr lang="en-US" sz="2400" b="1" dirty="0" smtClean="0">
-                <a:solidFill>
-                  <a:schemeClr val="tx1"/>
-                </a:solidFill>
-                <a:latin typeface="Courier New" panose="02070309020205020404" pitchFamily="49" charset="0"/>
-                <a:cs typeface="Courier New" panose="02070309020205020404" pitchFamily="49" charset="0"/>
-              </a:rPr>
-              <a:t> j = 0</a:t>
-            </a:r>
-            <a:r>
-              <a:rPr lang="en-US" sz="2400" b="1" dirty="0" smtClean="0">
-                <a:solidFill>
-                  <a:schemeClr val="tx1"/>
-                </a:solidFill>
-                <a:latin typeface="Courier New" panose="02070309020205020404" pitchFamily="49" charset="0"/>
-                <a:cs typeface="Courier New" panose="02070309020205020404" pitchFamily="49" charset="0"/>
-              </a:rPr>
-              <a:t>;</a:t>
-            </a:r>
-            <a:endParaRPr lang="en-US" sz="2400" b="1" dirty="0" smtClean="0">
-              <a:solidFill>
-                <a:schemeClr val="tx1"/>
-              </a:solidFill>
-              <a:latin typeface="Courier New" panose="02070309020205020404" pitchFamily="49" charset="0"/>
-              <a:cs typeface="Courier New" panose="02070309020205020404" pitchFamily="49" charset="0"/>
-            </a:endParaRPr>
+              <a:t> j = 0;</a:t>
+            </a:r>
           </a:p>
           <a:p>
             <a:r>
@@ -28879,11 +29191,6 @@
               </a:rPr>
               <a:t>j</a:t>
             </a:r>
-            <a:endParaRPr lang="en-US" dirty="0">
-              <a:solidFill>
-                <a:srgbClr val="C00000"/>
-              </a:solidFill>
-            </a:endParaRPr>
           </a:p>
         </p:txBody>
       </p:sp>
@@ -29525,8 +29832,10 @@
                 <a:latin typeface="Courier New" panose="02070309020205020404" pitchFamily="49" charset="0"/>
                 <a:cs typeface="Courier New" panose="02070309020205020404" pitchFamily="49" charset="0"/>
               </a:rPr>
-              <a:t>main(void</a:t>
-            </a:r>
+              <a:t>main(void) {</a:t>
+            </a:r>
+          </a:p>
+          <a:p>
             <a:r>
               <a:rPr lang="en-US" sz="2400" b="1" dirty="0" smtClean="0">
                 <a:solidFill>
@@ -29535,39 +29844,37 @@
                 <a:latin typeface="Courier New" panose="02070309020205020404" pitchFamily="49" charset="0"/>
                 <a:cs typeface="Courier New" panose="02070309020205020404" pitchFamily="49" charset="0"/>
               </a:rPr>
-              <a:t>) {</a:t>
-            </a:r>
-          </a:p>
-          <a:p>
-            <a:r>
-              <a:rPr lang="en-US" sz="2400" b="1" dirty="0" smtClean="0">
+              <a:t>  </a:t>
+            </a:r>
+            <a:r>
+              <a:rPr lang="en-US" sz="2400" b="1" dirty="0" err="1" smtClean="0">
                 <a:solidFill>
                   <a:schemeClr val="tx1"/>
                 </a:solidFill>
                 <a:latin typeface="Courier New" panose="02070309020205020404" pitchFamily="49" charset="0"/>
                 <a:cs typeface="Courier New" panose="02070309020205020404" pitchFamily="49" charset="0"/>
               </a:rPr>
-              <a:t>  </a:t>
-            </a:r>
-            <a:r>
-              <a:rPr lang="en-US" sz="2400" b="1" dirty="0" err="1" smtClean="0">
+              <a:t>int</a:t>
+            </a:r>
+            <a:r>
+              <a:rPr lang="en-US" sz="2400" b="1" dirty="0" smtClean="0">
                 <a:solidFill>
                   <a:schemeClr val="tx1"/>
                 </a:solidFill>
                 <a:latin typeface="Courier New" panose="02070309020205020404" pitchFamily="49" charset="0"/>
                 <a:cs typeface="Courier New" panose="02070309020205020404" pitchFamily="49" charset="0"/>
               </a:rPr>
-              <a:t>int</a:t>
-            </a:r>
-            <a:r>
-              <a:rPr lang="en-US" sz="2400" b="1" dirty="0" smtClean="0">
+              <a:t> j = “</a:t>
+            </a:r>
+            <a:r>
+              <a:rPr lang="en-US" sz="2400" b="1" dirty="0" err="1" smtClean="0">
                 <a:solidFill>
                   <a:schemeClr val="tx1"/>
                 </a:solidFill>
                 <a:latin typeface="Courier New" panose="02070309020205020404" pitchFamily="49" charset="0"/>
                 <a:cs typeface="Courier New" panose="02070309020205020404" pitchFamily="49" charset="0"/>
               </a:rPr>
-              <a:t> j = </a:t>
+              <a:t>abc</a:t>
             </a:r>
             <a:r>
               <a:rPr lang="en-US" sz="2400" b="1" dirty="0" smtClean="0">
@@ -29577,35 +29884,8 @@
                 <a:latin typeface="Courier New" panose="02070309020205020404" pitchFamily="49" charset="0"/>
                 <a:cs typeface="Courier New" panose="02070309020205020404" pitchFamily="49" charset="0"/>
               </a:rPr>
-              <a:t>“</a:t>
-            </a:r>
-            <a:r>
-              <a:rPr lang="en-US" sz="2400" b="1" dirty="0" err="1" smtClean="0">
-                <a:solidFill>
-                  <a:schemeClr val="tx1"/>
-                </a:solidFill>
-                <a:latin typeface="Courier New" panose="02070309020205020404" pitchFamily="49" charset="0"/>
-                <a:cs typeface="Courier New" panose="02070309020205020404" pitchFamily="49" charset="0"/>
-              </a:rPr>
-              <a:t>abc</a:t>
-            </a:r>
-            <a:r>
-              <a:rPr lang="en-US" sz="2400" b="1" dirty="0" smtClean="0">
-                <a:solidFill>
-                  <a:schemeClr val="tx1"/>
-                </a:solidFill>
-                <a:latin typeface="Courier New" panose="02070309020205020404" pitchFamily="49" charset="0"/>
-                <a:cs typeface="Courier New" panose="02070309020205020404" pitchFamily="49" charset="0"/>
-              </a:rPr>
               <a:t>”;</a:t>
             </a:r>
-            <a:endParaRPr lang="en-US" sz="2400" b="1" dirty="0" smtClean="0">
-              <a:solidFill>
-                <a:schemeClr val="tx1"/>
-              </a:solidFill>
-              <a:latin typeface="Courier New" panose="02070309020205020404" pitchFamily="49" charset="0"/>
-              <a:cs typeface="Courier New" panose="02070309020205020404" pitchFamily="49" charset="0"/>
-            </a:endParaRPr>
           </a:p>
           <a:p>
             <a:r>
@@ -29744,6 +30024,17 @@
               </a:rPr>
               <a:t>Simple</a:t>
             </a:r>
+          </a:p>
+          <a:p>
+            <a:pPr algn="ctr"/>
+            <a:r>
+              <a:rPr lang="en-US" dirty="0" err="1" smtClean="0">
+                <a:solidFill>
+                  <a:schemeClr val="tx1"/>
+                </a:solidFill>
+              </a:rPr>
+              <a:t>Var</a:t>
+            </a:r>
             <a:endParaRPr lang="en-US" dirty="0" smtClean="0">
               <a:solidFill>
                 <a:schemeClr val="tx1"/>
@@ -29753,22 +30044,6 @@
           <a:p>
             <a:pPr algn="ctr"/>
             <a:r>
-              <a:rPr lang="en-US" dirty="0" err="1" smtClean="0">
-                <a:solidFill>
-                  <a:schemeClr val="tx1"/>
-                </a:solidFill>
-              </a:rPr>
-              <a:t>Var</a:t>
-            </a:r>
-            <a:endParaRPr lang="en-US" dirty="0" smtClean="0">
-              <a:solidFill>
-                <a:schemeClr val="tx1"/>
-              </a:solidFill>
-            </a:endParaRPr>
-          </a:p>
-          <a:p>
-            <a:pPr algn="ctr"/>
-            <a:r>
               <a:rPr lang="en-US" dirty="0">
                 <a:solidFill>
                   <a:srgbClr val="C00000"/>
@@ -29776,11 +30051,6 @@
               </a:rPr>
               <a:t>j</a:t>
             </a:r>
-            <a:endParaRPr lang="en-US" dirty="0">
-              <a:solidFill>
-                <a:srgbClr val="C00000"/>
-              </a:solidFill>
-            </a:endParaRPr>
           </a:p>
         </p:txBody>
       </p:sp>
@@ -29838,11 +30108,6 @@
               </a:rPr>
               <a:t>String</a:t>
             </a:r>
-            <a:endParaRPr lang="en-US" dirty="0" smtClean="0">
-              <a:solidFill>
-                <a:schemeClr val="tx1"/>
-              </a:solidFill>
-            </a:endParaRPr>
           </a:p>
           <a:p>
             <a:pPr algn="ctr"/>
@@ -30420,8 +30685,10 @@
                 <a:latin typeface="Courier New" panose="02070309020205020404" pitchFamily="49" charset="0"/>
                 <a:cs typeface="Courier New" panose="02070309020205020404" pitchFamily="49" charset="0"/>
               </a:rPr>
-              <a:t>main(void</a:t>
-            </a:r>
+              <a:t>main(void) {</a:t>
+            </a:r>
+          </a:p>
+          <a:p>
             <a:r>
               <a:rPr lang="en-US" sz="2400" b="1" dirty="0" smtClean="0">
                 <a:solidFill>
@@ -30430,32 +30697,32 @@
                 <a:latin typeface="Courier New" panose="02070309020205020404" pitchFamily="49" charset="0"/>
                 <a:cs typeface="Courier New" panose="02070309020205020404" pitchFamily="49" charset="0"/>
               </a:rPr>
-              <a:t>) {</a:t>
-            </a:r>
-          </a:p>
-          <a:p>
-            <a:r>
-              <a:rPr lang="en-US" sz="2400" b="1" dirty="0" smtClean="0">
+              <a:t>  </a:t>
+            </a:r>
+            <a:r>
+              <a:rPr lang="en-US" sz="2400" b="1" dirty="0" err="1" smtClean="0">
                 <a:solidFill>
                   <a:schemeClr val="tx1"/>
                 </a:solidFill>
                 <a:latin typeface="Courier New" panose="02070309020205020404" pitchFamily="49" charset="0"/>
                 <a:cs typeface="Courier New" panose="02070309020205020404" pitchFamily="49" charset="0"/>
               </a:rPr>
-              <a:t>  </a:t>
-            </a:r>
-            <a:r>
-              <a:rPr lang="en-US" sz="2400" b="1" dirty="0" err="1" smtClean="0">
+              <a:t>int</a:t>
+            </a:r>
+            <a:r>
+              <a:rPr lang="en-US" sz="2400" b="1" dirty="0" smtClean="0">
                 <a:solidFill>
                   <a:schemeClr val="tx1"/>
                 </a:solidFill>
                 <a:latin typeface="Courier New" panose="02070309020205020404" pitchFamily="49" charset="0"/>
                 <a:cs typeface="Courier New" panose="02070309020205020404" pitchFamily="49" charset="0"/>
               </a:rPr>
-              <a:t>int</a:t>
-            </a:r>
-            <a:r>
-              <a:rPr lang="en-US" sz="2400" b="1" dirty="0" smtClean="0">
+              <a:t> x = 10;</a:t>
+            </a:r>
+          </a:p>
+          <a:p>
+            <a:r>
+              <a:rPr lang="en-US" sz="2400" b="1" dirty="0">
                 <a:solidFill>
                   <a:schemeClr val="tx1"/>
                 </a:solidFill>
@@ -30472,17 +30739,17 @@
                 <a:latin typeface="Courier New" panose="02070309020205020404" pitchFamily="49" charset="0"/>
                 <a:cs typeface="Courier New" panose="02070309020205020404" pitchFamily="49" charset="0"/>
               </a:rPr>
-              <a:t>x </a:t>
-            </a:r>
-            <a:r>
-              <a:rPr lang="en-US" sz="2400" b="1" dirty="0" smtClean="0">
+              <a:t> </a:t>
+            </a:r>
+            <a:r>
+              <a:rPr lang="en-US" sz="2400" b="1" dirty="0" err="1" smtClean="0">
                 <a:solidFill>
                   <a:schemeClr val="tx1"/>
                 </a:solidFill>
                 <a:latin typeface="Courier New" panose="02070309020205020404" pitchFamily="49" charset="0"/>
                 <a:cs typeface="Courier New" panose="02070309020205020404" pitchFamily="49" charset="0"/>
               </a:rPr>
-              <a:t>= </a:t>
+              <a:t>int</a:t>
             </a:r>
             <a:r>
               <a:rPr lang="en-US" sz="2400" b="1" dirty="0" smtClean="0">
@@ -30492,57 +30759,8 @@
                 <a:latin typeface="Courier New" panose="02070309020205020404" pitchFamily="49" charset="0"/>
                 <a:cs typeface="Courier New" panose="02070309020205020404" pitchFamily="49" charset="0"/>
               </a:rPr>
-              <a:t>10;</a:t>
-            </a:r>
-          </a:p>
-          <a:p>
-            <a:r>
-              <a:rPr lang="en-US" sz="2400" b="1" dirty="0">
-                <a:solidFill>
-                  <a:schemeClr val="tx1"/>
-                </a:solidFill>
-                <a:latin typeface="Courier New" panose="02070309020205020404" pitchFamily="49" charset="0"/>
-                <a:cs typeface="Courier New" panose="02070309020205020404" pitchFamily="49" charset="0"/>
-              </a:rPr>
-              <a:t> </a:t>
-            </a:r>
-            <a:r>
-              <a:rPr lang="en-US" sz="2400" b="1" dirty="0" smtClean="0">
-                <a:solidFill>
-                  <a:schemeClr val="tx1"/>
-                </a:solidFill>
-                <a:latin typeface="Courier New" panose="02070309020205020404" pitchFamily="49" charset="0"/>
-                <a:cs typeface="Courier New" panose="02070309020205020404" pitchFamily="49" charset="0"/>
-              </a:rPr>
-              <a:t> </a:t>
-            </a:r>
-            <a:r>
-              <a:rPr lang="en-US" sz="2400" b="1" dirty="0" err="1" smtClean="0">
-                <a:solidFill>
-                  <a:schemeClr val="tx1"/>
-                </a:solidFill>
-                <a:latin typeface="Courier New" panose="02070309020205020404" pitchFamily="49" charset="0"/>
-                <a:cs typeface="Courier New" panose="02070309020205020404" pitchFamily="49" charset="0"/>
-              </a:rPr>
-              <a:t>int</a:t>
-            </a:r>
-            <a:r>
-              <a:rPr lang="en-US" sz="2400" b="1" dirty="0" smtClean="0">
-                <a:solidFill>
-                  <a:schemeClr val="tx1"/>
-                </a:solidFill>
-                <a:latin typeface="Courier New" panose="02070309020205020404" pitchFamily="49" charset="0"/>
-                <a:cs typeface="Courier New" panose="02070309020205020404" pitchFamily="49" charset="0"/>
-              </a:rPr>
               <a:t> y = x;</a:t>
             </a:r>
-            <a:endParaRPr lang="en-US" sz="2400" b="1" dirty="0" smtClean="0">
-              <a:solidFill>
-                <a:schemeClr val="tx1"/>
-              </a:solidFill>
-              <a:latin typeface="Courier New" panose="02070309020205020404" pitchFamily="49" charset="0"/>
-              <a:cs typeface="Courier New" panose="02070309020205020404" pitchFamily="49" charset="0"/>
-            </a:endParaRPr>
           </a:p>
           <a:p>
             <a:r>
@@ -30681,11 +30899,6 @@
               </a:rPr>
               <a:t>Simple</a:t>
             </a:r>
-            <a:endParaRPr lang="en-US" sz="1400" dirty="0" smtClean="0">
-              <a:solidFill>
-                <a:schemeClr val="tx1"/>
-              </a:solidFill>
-            </a:endParaRPr>
           </a:p>
           <a:p>
             <a:pPr algn="ctr"/>
@@ -31190,11 +31403,6 @@
               </a:rPr>
               <a:t>Simple</a:t>
             </a:r>
-            <a:endParaRPr lang="en-US" sz="1400" dirty="0" smtClean="0">
-              <a:solidFill>
-                <a:schemeClr val="tx1"/>
-              </a:solidFill>
-            </a:endParaRPr>
           </a:p>
           <a:p>
             <a:pPr algn="ctr"/>
@@ -31474,11 +31682,6 @@
               </a:rPr>
               <a:t>Simple</a:t>
             </a:r>
-            <a:endParaRPr lang="en-US" sz="1400" dirty="0" smtClean="0">
-              <a:solidFill>
-                <a:schemeClr val="tx1"/>
-              </a:solidFill>
-            </a:endParaRPr>
           </a:p>
           <a:p>
             <a:pPr algn="ctr"/>
@@ -31838,8 +32041,10 @@
                 <a:latin typeface="Courier New" panose="02070309020205020404" pitchFamily="49" charset="0"/>
                 <a:cs typeface="Courier New" panose="02070309020205020404" pitchFamily="49" charset="0"/>
               </a:rPr>
-              <a:t>main(void</a:t>
-            </a:r>
+              <a:t>main(void) {</a:t>
+            </a:r>
+          </a:p>
+          <a:p>
             <a:r>
               <a:rPr lang="en-US" sz="2400" b="1" dirty="0" smtClean="0">
                 <a:solidFill>
@@ -31848,32 +32053,32 @@
                 <a:latin typeface="Courier New" panose="02070309020205020404" pitchFamily="49" charset="0"/>
                 <a:cs typeface="Courier New" panose="02070309020205020404" pitchFamily="49" charset="0"/>
               </a:rPr>
-              <a:t>) {</a:t>
-            </a:r>
-          </a:p>
-          <a:p>
-            <a:r>
-              <a:rPr lang="en-US" sz="2400" b="1" dirty="0" smtClean="0">
+              <a:t>  </a:t>
+            </a:r>
+            <a:r>
+              <a:rPr lang="en-US" sz="2400" b="1" dirty="0" err="1" smtClean="0">
                 <a:solidFill>
                   <a:schemeClr val="tx1"/>
                 </a:solidFill>
                 <a:latin typeface="Courier New" panose="02070309020205020404" pitchFamily="49" charset="0"/>
                 <a:cs typeface="Courier New" panose="02070309020205020404" pitchFamily="49" charset="0"/>
               </a:rPr>
-              <a:t>  </a:t>
-            </a:r>
-            <a:r>
-              <a:rPr lang="en-US" sz="2400" b="1" dirty="0" err="1" smtClean="0">
+              <a:t>int</a:t>
+            </a:r>
+            <a:r>
+              <a:rPr lang="en-US" sz="2400" b="1" dirty="0" smtClean="0">
                 <a:solidFill>
                   <a:schemeClr val="tx1"/>
                 </a:solidFill>
                 <a:latin typeface="Courier New" panose="02070309020205020404" pitchFamily="49" charset="0"/>
                 <a:cs typeface="Courier New" panose="02070309020205020404" pitchFamily="49" charset="0"/>
               </a:rPr>
-              <a:t>int</a:t>
-            </a:r>
-            <a:r>
-              <a:rPr lang="en-US" sz="2400" b="1" dirty="0" smtClean="0">
+              <a:t> x = 10;</a:t>
+            </a:r>
+          </a:p>
+          <a:p>
+            <a:r>
+              <a:rPr lang="en-US" sz="2400" b="1" dirty="0">
                 <a:solidFill>
                   <a:schemeClr val="tx1"/>
                 </a:solidFill>
@@ -31890,57 +32095,8 @@
                 <a:latin typeface="Courier New" panose="02070309020205020404" pitchFamily="49" charset="0"/>
                 <a:cs typeface="Courier New" panose="02070309020205020404" pitchFamily="49" charset="0"/>
               </a:rPr>
-              <a:t>x </a:t>
-            </a:r>
-            <a:r>
-              <a:rPr lang="en-US" sz="2400" b="1" dirty="0" smtClean="0">
-                <a:solidFill>
-                  <a:schemeClr val="tx1"/>
-                </a:solidFill>
-                <a:latin typeface="Courier New" panose="02070309020205020404" pitchFamily="49" charset="0"/>
-                <a:cs typeface="Courier New" panose="02070309020205020404" pitchFamily="49" charset="0"/>
-              </a:rPr>
-              <a:t>= </a:t>
-            </a:r>
-            <a:r>
-              <a:rPr lang="en-US" sz="2400" b="1" dirty="0" smtClean="0">
-                <a:solidFill>
-                  <a:schemeClr val="tx1"/>
-                </a:solidFill>
-                <a:latin typeface="Courier New" panose="02070309020205020404" pitchFamily="49" charset="0"/>
-                <a:cs typeface="Courier New" panose="02070309020205020404" pitchFamily="49" charset="0"/>
-              </a:rPr>
-              <a:t>10;</a:t>
-            </a:r>
-          </a:p>
-          <a:p>
-            <a:r>
-              <a:rPr lang="en-US" sz="2400" b="1" dirty="0">
-                <a:solidFill>
-                  <a:schemeClr val="tx1"/>
-                </a:solidFill>
-                <a:latin typeface="Courier New" panose="02070309020205020404" pitchFamily="49" charset="0"/>
-                <a:cs typeface="Courier New" panose="02070309020205020404" pitchFamily="49" charset="0"/>
-              </a:rPr>
-              <a:t> </a:t>
-            </a:r>
-            <a:r>
-              <a:rPr lang="en-US" sz="2400" b="1" dirty="0" smtClean="0">
-                <a:solidFill>
-                  <a:schemeClr val="tx1"/>
-                </a:solidFill>
-                <a:latin typeface="Courier New" panose="02070309020205020404" pitchFamily="49" charset="0"/>
-                <a:cs typeface="Courier New" panose="02070309020205020404" pitchFamily="49" charset="0"/>
-              </a:rPr>
               <a:t> string y = x;</a:t>
             </a:r>
-            <a:endParaRPr lang="en-US" sz="2400" b="1" dirty="0" smtClean="0">
-              <a:solidFill>
-                <a:schemeClr val="tx1"/>
-              </a:solidFill>
-              <a:latin typeface="Courier New" panose="02070309020205020404" pitchFamily="49" charset="0"/>
-              <a:cs typeface="Courier New" panose="02070309020205020404" pitchFamily="49" charset="0"/>
-            </a:endParaRPr>
           </a:p>
           <a:p>
             <a:r>
@@ -32079,11 +32235,6 @@
               </a:rPr>
               <a:t>Simple</a:t>
             </a:r>
-            <a:endParaRPr lang="en-US" sz="1400" dirty="0" smtClean="0">
-              <a:solidFill>
-                <a:schemeClr val="tx1"/>
-              </a:solidFill>
-            </a:endParaRPr>
           </a:p>
           <a:p>
             <a:pPr algn="ctr"/>
@@ -32588,11 +32739,6 @@
               </a:rPr>
               <a:t>Simple</a:t>
             </a:r>
-            <a:endParaRPr lang="en-US" sz="1400" dirty="0" smtClean="0">
-              <a:solidFill>
-                <a:schemeClr val="tx1"/>
-              </a:solidFill>
-            </a:endParaRPr>
           </a:p>
           <a:p>
             <a:pPr algn="ctr"/>
@@ -32872,11 +33018,6 @@
               </a:rPr>
               <a:t>Simple</a:t>
             </a:r>
-            <a:endParaRPr lang="en-US" sz="1400" dirty="0" smtClean="0">
-              <a:solidFill>
-                <a:schemeClr val="tx1"/>
-              </a:solidFill>
-            </a:endParaRPr>
           </a:p>
           <a:p>
             <a:pPr algn="ctr"/>
@@ -33229,8 +33370,10 @@
                 <a:latin typeface="Courier New" panose="02070309020205020404" pitchFamily="49" charset="0"/>
                 <a:cs typeface="Courier New" panose="02070309020205020404" pitchFamily="49" charset="0"/>
               </a:rPr>
-              <a:t>main(void</a:t>
-            </a:r>
+              <a:t>main(void) {</a:t>
+            </a:r>
+          </a:p>
+          <a:p>
             <a:r>
               <a:rPr lang="en-US" sz="2400" b="1" dirty="0" smtClean="0">
                 <a:solidFill>
@@ -33239,32 +33382,32 @@
                 <a:latin typeface="Courier New" panose="02070309020205020404" pitchFamily="49" charset="0"/>
                 <a:cs typeface="Courier New" panose="02070309020205020404" pitchFamily="49" charset="0"/>
               </a:rPr>
-              <a:t>) {</a:t>
-            </a:r>
-          </a:p>
-          <a:p>
-            <a:r>
-              <a:rPr lang="en-US" sz="2400" b="1" dirty="0" smtClean="0">
+              <a:t>  </a:t>
+            </a:r>
+            <a:r>
+              <a:rPr lang="en-US" sz="2400" b="1" dirty="0" err="1" smtClean="0">
                 <a:solidFill>
                   <a:schemeClr val="tx1"/>
                 </a:solidFill>
                 <a:latin typeface="Courier New" panose="02070309020205020404" pitchFamily="49" charset="0"/>
                 <a:cs typeface="Courier New" panose="02070309020205020404" pitchFamily="49" charset="0"/>
               </a:rPr>
-              <a:t>  </a:t>
-            </a:r>
-            <a:r>
-              <a:rPr lang="en-US" sz="2400" b="1" dirty="0" err="1" smtClean="0">
+              <a:t>int</a:t>
+            </a:r>
+            <a:r>
+              <a:rPr lang="en-US" sz="2400" b="1" dirty="0" smtClean="0">
                 <a:solidFill>
                   <a:schemeClr val="tx1"/>
                 </a:solidFill>
                 <a:latin typeface="Courier New" panose="02070309020205020404" pitchFamily="49" charset="0"/>
                 <a:cs typeface="Courier New" panose="02070309020205020404" pitchFamily="49" charset="0"/>
               </a:rPr>
-              <a:t>int</a:t>
-            </a:r>
-            <a:r>
-              <a:rPr lang="en-US" sz="2400" b="1" dirty="0" smtClean="0">
+              <a:t> x = 1;</a:t>
+            </a:r>
+          </a:p>
+          <a:p>
+            <a:r>
+              <a:rPr lang="en-US" sz="2400" b="1" dirty="0">
                 <a:solidFill>
                   <a:schemeClr val="tx1"/>
                 </a:solidFill>
@@ -33281,17 +33424,17 @@
                 <a:latin typeface="Courier New" panose="02070309020205020404" pitchFamily="49" charset="0"/>
                 <a:cs typeface="Courier New" panose="02070309020205020404" pitchFamily="49" charset="0"/>
               </a:rPr>
-              <a:t>x </a:t>
-            </a:r>
-            <a:r>
-              <a:rPr lang="en-US" sz="2400" b="1" dirty="0" smtClean="0">
+              <a:t> </a:t>
+            </a:r>
+            <a:r>
+              <a:rPr lang="en-US" sz="2400" b="1" dirty="0" err="1" smtClean="0">
                 <a:solidFill>
                   <a:schemeClr val="tx1"/>
                 </a:solidFill>
                 <a:latin typeface="Courier New" panose="02070309020205020404" pitchFamily="49" charset="0"/>
                 <a:cs typeface="Courier New" panose="02070309020205020404" pitchFamily="49" charset="0"/>
               </a:rPr>
-              <a:t>= </a:t>
+              <a:t>int</a:t>
             </a:r>
             <a:r>
               <a:rPr lang="en-US" sz="2400" b="1" dirty="0" smtClean="0">
@@ -33301,7 +33444,7 @@
                 <a:latin typeface="Courier New" panose="02070309020205020404" pitchFamily="49" charset="0"/>
                 <a:cs typeface="Courier New" panose="02070309020205020404" pitchFamily="49" charset="0"/>
               </a:rPr>
-              <a:t>1;</a:t>
+              <a:t> y = 2;</a:t>
             </a:r>
           </a:p>
           <a:p>
@@ -33343,64 +33486,8 @@
                 <a:latin typeface="Courier New" panose="02070309020205020404" pitchFamily="49" charset="0"/>
                 <a:cs typeface="Courier New" panose="02070309020205020404" pitchFamily="49" charset="0"/>
               </a:rPr>
-              <a:t> y = 2;</a:t>
-            </a:r>
-            <a:endParaRPr lang="en-US" sz="2400" b="1" dirty="0" smtClean="0">
-              <a:solidFill>
-                <a:schemeClr val="tx1"/>
-              </a:solidFill>
-              <a:latin typeface="Courier New" panose="02070309020205020404" pitchFamily="49" charset="0"/>
-              <a:cs typeface="Courier New" panose="02070309020205020404" pitchFamily="49" charset="0"/>
-            </a:endParaRPr>
-          </a:p>
-          <a:p>
-            <a:r>
-              <a:rPr lang="en-US" sz="2400" b="1" dirty="0">
-                <a:solidFill>
-                  <a:schemeClr val="tx1"/>
-                </a:solidFill>
-                <a:latin typeface="Courier New" panose="02070309020205020404" pitchFamily="49" charset="0"/>
-                <a:cs typeface="Courier New" panose="02070309020205020404" pitchFamily="49" charset="0"/>
-              </a:rPr>
-              <a:t> </a:t>
-            </a:r>
-            <a:r>
-              <a:rPr lang="en-US" sz="2400" b="1" dirty="0" smtClean="0">
-                <a:solidFill>
-                  <a:schemeClr val="tx1"/>
-                </a:solidFill>
-                <a:latin typeface="Courier New" panose="02070309020205020404" pitchFamily="49" charset="0"/>
-                <a:cs typeface="Courier New" panose="02070309020205020404" pitchFamily="49" charset="0"/>
-              </a:rPr>
-              <a:t> </a:t>
-            </a:r>
-            <a:r>
-              <a:rPr lang="en-US" sz="2400" b="1" dirty="0" err="1" smtClean="0">
-                <a:solidFill>
-                  <a:schemeClr val="tx1"/>
-                </a:solidFill>
-                <a:latin typeface="Courier New" panose="02070309020205020404" pitchFamily="49" charset="0"/>
-                <a:cs typeface="Courier New" panose="02070309020205020404" pitchFamily="49" charset="0"/>
-              </a:rPr>
-              <a:t>int</a:t>
-            </a:r>
-            <a:r>
-              <a:rPr lang="en-US" sz="2400" b="1" dirty="0" smtClean="0">
-                <a:solidFill>
-                  <a:schemeClr val="tx1"/>
-                </a:solidFill>
-                <a:latin typeface="Courier New" panose="02070309020205020404" pitchFamily="49" charset="0"/>
-                <a:cs typeface="Courier New" panose="02070309020205020404" pitchFamily="49" charset="0"/>
-              </a:rPr>
               <a:t> z = x + y;</a:t>
             </a:r>
-            <a:endParaRPr lang="en-US" sz="2400" b="1" dirty="0" smtClean="0">
-              <a:solidFill>
-                <a:schemeClr val="tx1"/>
-              </a:solidFill>
-              <a:latin typeface="Courier New" panose="02070309020205020404" pitchFamily="49" charset="0"/>
-              <a:cs typeface="Courier New" panose="02070309020205020404" pitchFamily="49" charset="0"/>
-            </a:endParaRPr>
           </a:p>
           <a:p>
             <a:r>
@@ -33640,11 +33727,6 @@
               </a:rPr>
               <a:t>Simple</a:t>
             </a:r>
-            <a:endParaRPr lang="en-US" sz="1400" dirty="0" smtClean="0">
-              <a:solidFill>
-                <a:schemeClr val="tx1"/>
-              </a:solidFill>
-            </a:endParaRPr>
           </a:p>
           <a:p>
             <a:pPr algn="ctr"/>
@@ -33812,11 +33894,6 @@
               </a:rPr>
               <a:t>Simple</a:t>
             </a:r>
-            <a:endParaRPr lang="en-US" sz="1400" dirty="0" smtClean="0">
-              <a:solidFill>
-                <a:schemeClr val="tx1"/>
-              </a:solidFill>
-            </a:endParaRPr>
           </a:p>
           <a:p>
             <a:pPr algn="ctr"/>
@@ -34344,8 +34421,10 @@
                 <a:latin typeface="Courier New" panose="02070309020205020404" pitchFamily="49" charset="0"/>
                 <a:cs typeface="Courier New" panose="02070309020205020404" pitchFamily="49" charset="0"/>
               </a:rPr>
-              <a:t>main(void</a:t>
-            </a:r>
+              <a:t>main(void) {</a:t>
+            </a:r>
+          </a:p>
+          <a:p>
             <a:r>
               <a:rPr lang="en-US" sz="2400" b="1" dirty="0" smtClean="0">
                 <a:solidFill>
@@ -34354,39 +34433,39 @@
                 <a:latin typeface="Courier New" panose="02070309020205020404" pitchFamily="49" charset="0"/>
                 <a:cs typeface="Courier New" panose="02070309020205020404" pitchFamily="49" charset="0"/>
               </a:rPr>
-              <a:t>) {</a:t>
-            </a:r>
-          </a:p>
-          <a:p>
-            <a:r>
-              <a:rPr lang="en-US" sz="2400" b="1" dirty="0" smtClean="0">
+              <a:t>  </a:t>
+            </a:r>
+            <a:r>
+              <a:rPr lang="en-US" sz="2400" b="1" dirty="0" err="1" smtClean="0">
                 <a:solidFill>
                   <a:schemeClr val="tx1"/>
                 </a:solidFill>
                 <a:latin typeface="Courier New" panose="02070309020205020404" pitchFamily="49" charset="0"/>
                 <a:cs typeface="Courier New" panose="02070309020205020404" pitchFamily="49" charset="0"/>
               </a:rPr>
-              <a:t>  </a:t>
-            </a:r>
-            <a:r>
-              <a:rPr lang="en-US" sz="2400" b="1" dirty="0" err="1" smtClean="0">
+              <a:t>int</a:t>
+            </a:r>
+            <a:r>
+              <a:rPr lang="en-US" sz="2400" b="1" dirty="0" smtClean="0">
                 <a:solidFill>
                   <a:schemeClr val="tx1"/>
                 </a:solidFill>
                 <a:latin typeface="Courier New" panose="02070309020205020404" pitchFamily="49" charset="0"/>
                 <a:cs typeface="Courier New" panose="02070309020205020404" pitchFamily="49" charset="0"/>
               </a:rPr>
-              <a:t>int</a:t>
-            </a:r>
-            <a:r>
-              <a:rPr lang="en-US" sz="2400" b="1" dirty="0" smtClean="0">
+              <a:t> x = 1;</a:t>
+            </a:r>
+          </a:p>
+          <a:p>
+            <a:r>
+              <a:rPr lang="en-US" sz="2400" b="1" dirty="0">
                 <a:solidFill>
                   <a:schemeClr val="tx1"/>
                 </a:solidFill>
                 <a:latin typeface="Courier New" panose="02070309020205020404" pitchFamily="49" charset="0"/>
                 <a:cs typeface="Courier New" panose="02070309020205020404" pitchFamily="49" charset="0"/>
               </a:rPr>
-              <a:t> x </a:t>
+              <a:t> </a:t>
             </a:r>
             <a:r>
               <a:rPr lang="en-US" sz="2400" b="1" dirty="0" smtClean="0">
@@ -34396,22 +34475,22 @@
                 <a:latin typeface="Courier New" panose="02070309020205020404" pitchFamily="49" charset="0"/>
                 <a:cs typeface="Courier New" panose="02070309020205020404" pitchFamily="49" charset="0"/>
               </a:rPr>
-              <a:t>= </a:t>
-            </a:r>
-            <a:r>
-              <a:rPr lang="en-US" sz="2400" b="1" dirty="0" smtClean="0">
+              <a:t> string y = “A”;</a:t>
+            </a:r>
+          </a:p>
+          <a:p>
+            <a:r>
+              <a:rPr lang="en-US" sz="2400" b="1" dirty="0">
                 <a:solidFill>
                   <a:schemeClr val="tx1"/>
                 </a:solidFill>
                 <a:latin typeface="Courier New" panose="02070309020205020404" pitchFamily="49" charset="0"/>
                 <a:cs typeface="Courier New" panose="02070309020205020404" pitchFamily="49" charset="0"/>
               </a:rPr>
-              <a:t>1;</a:t>
-            </a:r>
-          </a:p>
-          <a:p>
-            <a:r>
-              <a:rPr lang="en-US" sz="2400" b="1" dirty="0">
+              <a:t> </a:t>
+            </a:r>
+            <a:r>
+              <a:rPr lang="en-US" sz="2400" b="1" dirty="0" smtClean="0">
                 <a:solidFill>
                   <a:schemeClr val="tx1"/>
                 </a:solidFill>
@@ -34421,71 +34500,25 @@
               <a:t> </a:t>
             </a:r>
             <a:r>
-              <a:rPr lang="en-US" sz="2400" b="1" dirty="0" smtClean="0">
+              <a:rPr lang="en-US" sz="2400" b="1" dirty="0" err="1" smtClean="0">
                 <a:solidFill>
                   <a:schemeClr val="tx1"/>
                 </a:solidFill>
                 <a:latin typeface="Courier New" panose="02070309020205020404" pitchFamily="49" charset="0"/>
                 <a:cs typeface="Courier New" panose="02070309020205020404" pitchFamily="49" charset="0"/>
               </a:rPr>
-              <a:t> string y = “A”;</a:t>
-            </a:r>
-            <a:endParaRPr lang="en-US" sz="2400" b="1" dirty="0" smtClean="0">
-              <a:solidFill>
-                <a:schemeClr val="tx1"/>
-              </a:solidFill>
-              <a:latin typeface="Courier New" panose="02070309020205020404" pitchFamily="49" charset="0"/>
-              <a:cs typeface="Courier New" panose="02070309020205020404" pitchFamily="49" charset="0"/>
-            </a:endParaRPr>
-          </a:p>
-          <a:p>
-            <a:r>
-              <a:rPr lang="en-US" sz="2400" b="1" dirty="0">
+              <a:t>int</a:t>
+            </a:r>
+            <a:r>
+              <a:rPr lang="en-US" sz="2400" b="1" dirty="0" smtClean="0">
                 <a:solidFill>
                   <a:schemeClr val="tx1"/>
                 </a:solidFill>
                 <a:latin typeface="Courier New" panose="02070309020205020404" pitchFamily="49" charset="0"/>
                 <a:cs typeface="Courier New" panose="02070309020205020404" pitchFamily="49" charset="0"/>
               </a:rPr>
-              <a:t> </a:t>
-            </a:r>
-            <a:r>
-              <a:rPr lang="en-US" sz="2400" b="1" dirty="0" smtClean="0">
-                <a:solidFill>
-                  <a:schemeClr val="tx1"/>
-                </a:solidFill>
-                <a:latin typeface="Courier New" panose="02070309020205020404" pitchFamily="49" charset="0"/>
-                <a:cs typeface="Courier New" panose="02070309020205020404" pitchFamily="49" charset="0"/>
-              </a:rPr>
-              <a:t> </a:t>
-            </a:r>
-            <a:r>
-              <a:rPr lang="en-US" sz="2400" b="1" dirty="0" err="1" smtClean="0">
-                <a:solidFill>
-                  <a:schemeClr val="tx1"/>
-                </a:solidFill>
-                <a:latin typeface="Courier New" panose="02070309020205020404" pitchFamily="49" charset="0"/>
-                <a:cs typeface="Courier New" panose="02070309020205020404" pitchFamily="49" charset="0"/>
-              </a:rPr>
-              <a:t>int</a:t>
-            </a:r>
-            <a:r>
-              <a:rPr lang="en-US" sz="2400" b="1" dirty="0" smtClean="0">
-                <a:solidFill>
-                  <a:schemeClr val="tx1"/>
-                </a:solidFill>
-                <a:latin typeface="Courier New" panose="02070309020205020404" pitchFamily="49" charset="0"/>
-                <a:cs typeface="Courier New" panose="02070309020205020404" pitchFamily="49" charset="0"/>
-              </a:rPr>
               <a:t> z = x &lt; y;</a:t>
             </a:r>
-            <a:endParaRPr lang="en-US" sz="2400" b="1" dirty="0" smtClean="0">
-              <a:solidFill>
-                <a:schemeClr val="tx1"/>
-              </a:solidFill>
-              <a:latin typeface="Courier New" panose="02070309020205020404" pitchFamily="49" charset="0"/>
-              <a:cs typeface="Courier New" panose="02070309020205020404" pitchFamily="49" charset="0"/>
-            </a:endParaRPr>
           </a:p>
           <a:p>
             <a:r>
@@ -34725,11 +34758,6 @@
               </a:rPr>
               <a:t>Simple</a:t>
             </a:r>
-            <a:endParaRPr lang="en-US" sz="1400" dirty="0" smtClean="0">
-              <a:solidFill>
-                <a:schemeClr val="tx1"/>
-              </a:solidFill>
-            </a:endParaRPr>
           </a:p>
           <a:p>
             <a:pPr algn="ctr"/>
@@ -34897,11 +34925,6 @@
               </a:rPr>
               <a:t>Simple</a:t>
             </a:r>
-            <a:endParaRPr lang="en-US" sz="1400" dirty="0" smtClean="0">
-              <a:solidFill>
-                <a:schemeClr val="tx1"/>
-              </a:solidFill>
-            </a:endParaRPr>
           </a:p>
           <a:p>
             <a:pPr algn="ctr"/>
